--- a/presentation/Bogota_Group_03.pptx
+++ b/presentation/Bogota_Group_03.pptx
@@ -138,7 +138,7 @@
 <file path=ppt/charts/chart1.xml><?xml version="1.0" encoding="utf-8"?>
 <c:chartSpace xmlns:c="http://schemas.openxmlformats.org/drawingml/2006/chart" xmlns:a="http://schemas.openxmlformats.org/drawingml/2006/main" xmlns:r="http://schemas.openxmlformats.org/officeDocument/2006/relationships" xmlns:c16r2="http://schemas.microsoft.com/office/drawing/2015/06/chart">
   <c:date1904 val="0"/>
-  <c:lang val="en-US"/>
+  <c:lang val="es-ES"/>
   <c:roundedCorners val="0"/>
   <mc:AlternateContent xmlns:mc="http://schemas.openxmlformats.org/markup-compatibility/2006">
     <mc:Choice xmlns:c14="http://schemas.microsoft.com/office/drawing/2007/8/2/chart" Requires="c14">
@@ -256,7 +256,7 @@
               <a:cs typeface="+mn-cs"/>
             </a:defRPr>
           </a:pPr>
-          <a:endParaRPr lang="en-US"/>
+          <a:endParaRPr lang="es-CO"/>
         </a:p>
       </c:txPr>
     </c:title>
@@ -538,7 +538,7 @@
                 <a:cs typeface="+mn-cs"/>
               </a:defRPr>
             </a:pPr>
-            <a:endParaRPr lang="en-US"/>
+            <a:endParaRPr lang="es-CO"/>
           </a:p>
         </c:txPr>
         <c:crossAx val="1033293184"/>
@@ -582,7 +582,7 @@
                 <a:cs typeface="+mn-cs"/>
               </a:defRPr>
             </a:pPr>
-            <a:endParaRPr lang="en-US"/>
+            <a:endParaRPr lang="es-CO"/>
           </a:p>
         </c:txPr>
         <c:crossAx val="1041286528"/>
@@ -622,7 +622,7 @@
       <a:pPr>
         <a:defRPr/>
       </a:pPr>
-      <a:endParaRPr lang="en-US"/>
+      <a:endParaRPr lang="es-CO"/>
     </a:p>
   </c:txPr>
   <c:externalData r:id="rId3">
@@ -634,7 +634,7 @@
 <file path=ppt/charts/chart2.xml><?xml version="1.0" encoding="utf-8"?>
 <c:chartSpace xmlns:c="http://schemas.openxmlformats.org/drawingml/2006/chart" xmlns:a="http://schemas.openxmlformats.org/drawingml/2006/main" xmlns:r="http://schemas.openxmlformats.org/officeDocument/2006/relationships" xmlns:c16r2="http://schemas.microsoft.com/office/drawing/2015/06/chart">
   <c:date1904 val="0"/>
-  <c:lang val="en-US"/>
+  <c:lang val="es-ES"/>
   <c:roundedCorners val="0"/>
   <mc:AlternateContent xmlns:mc="http://schemas.openxmlformats.org/markup-compatibility/2006">
     <mc:Choice xmlns:c14="http://schemas.microsoft.com/office/drawing/2007/8/2/chart" Requires="c14">
@@ -710,7 +710,7 @@
               <a:cs typeface="+mn-cs"/>
             </a:defRPr>
           </a:pPr>
-          <a:endParaRPr lang="en-US"/>
+          <a:endParaRPr lang="es-CO"/>
         </a:p>
       </c:txPr>
     </c:title>
@@ -992,7 +992,7 @@
                 <a:cs typeface="+mn-cs"/>
               </a:defRPr>
             </a:pPr>
-            <a:endParaRPr lang="en-US"/>
+            <a:endParaRPr lang="es-CO"/>
           </a:p>
         </c:txPr>
         <c:crossAx val="1033293184"/>
@@ -1036,7 +1036,7 @@
                 <a:cs typeface="+mn-cs"/>
               </a:defRPr>
             </a:pPr>
-            <a:endParaRPr lang="en-US"/>
+            <a:endParaRPr lang="es-CO"/>
           </a:p>
         </c:txPr>
         <c:crossAx val="1041286528"/>
@@ -1080,7 +1080,7 @@
       <a:pPr>
         <a:defRPr/>
       </a:pPr>
-      <a:endParaRPr lang="en-US"/>
+      <a:endParaRPr lang="es-CO"/>
     </a:p>
   </c:txPr>
   <c:externalData r:id="rId3">
@@ -3207,9 +3207,9 @@
     <dgm:cxn modelId="{86F1FE05-718E-402B-B997-4B30B949A7B7}" type="presOf" srcId="{A4732DC0-6C90-4777-BBE1-13D233B4BD72}" destId="{F3B9DAF1-7230-4200-9D71-FDBA4C94209F}" srcOrd="1" destOrd="0" presId="urn:microsoft.com/office/officeart/2005/8/layout/cycle8"/>
     <dgm:cxn modelId="{6D3D752F-37B2-4ECA-BFDE-9A07E674C4F3}" srcId="{C2A504BE-00D7-4B29-A656-4E7B8DE43048}" destId="{37790273-0930-4E89-82E3-9CA55BD9C1E7}" srcOrd="0" destOrd="0" parTransId="{805CF4A5-EC40-4349-8B7A-62AB0C83C395}" sibTransId="{6FD9E89D-00A2-413E-84FE-6FFE3BDC0F24}"/>
     <dgm:cxn modelId="{32333633-F07D-42E5-8015-7C5E2051E1D8}" type="presOf" srcId="{59F3E9B8-71B4-4D0A-8879-CC282726110B}" destId="{8CE26DC6-3C0F-49A1-AC9D-2E081A9A64BC}" srcOrd="1" destOrd="0" presId="urn:microsoft.com/office/officeart/2005/8/layout/cycle8"/>
-    <dgm:cxn modelId="{312FE35B-48E2-4434-B6FE-3EFB25D2AB4C}" type="presOf" srcId="{A4732DC0-6C90-4777-BBE1-13D233B4BD72}" destId="{49CE7EF0-CDB3-4EF4-83D2-C74F1ADB9673}" srcOrd="0" destOrd="0" presId="urn:microsoft.com/office/officeart/2005/8/layout/cycle8"/>
     <dgm:cxn modelId="{6396D74F-E7CE-4EC4-9EC4-EBD87EDFB4A1}" type="presOf" srcId="{37790273-0930-4E89-82E3-9CA55BD9C1E7}" destId="{843644B1-E125-4CF7-B18E-95F6F7084321}" srcOrd="0" destOrd="0" presId="urn:microsoft.com/office/officeart/2005/8/layout/cycle8"/>
     <dgm:cxn modelId="{44D03753-2BA4-426D-B785-411F5D1A58BE}" type="presOf" srcId="{59F3E9B8-71B4-4D0A-8879-CC282726110B}" destId="{95424262-D12B-46C0-8B5E-09C017D23723}" srcOrd="0" destOrd="0" presId="urn:microsoft.com/office/officeart/2005/8/layout/cycle8"/>
+    <dgm:cxn modelId="{312FE35B-48E2-4434-B6FE-3EFB25D2AB4C}" type="presOf" srcId="{A4732DC0-6C90-4777-BBE1-13D233B4BD72}" destId="{49CE7EF0-CDB3-4EF4-83D2-C74F1ADB9673}" srcOrd="0" destOrd="0" presId="urn:microsoft.com/office/officeart/2005/8/layout/cycle8"/>
     <dgm:cxn modelId="{C3111A7E-7116-4C95-9147-A1D2EAB88154}" srcId="{C2A504BE-00D7-4B29-A656-4E7B8DE43048}" destId="{A4732DC0-6C90-4777-BBE1-13D233B4BD72}" srcOrd="2" destOrd="0" parTransId="{FA300EF7-2FCD-484A-80AB-5426F3E82384}" sibTransId="{4A457E9F-1C26-4AC3-A723-9790ED6EF67A}"/>
     <dgm:cxn modelId="{446306AC-FE57-4C7B-BB4E-150DC585B905}" type="presOf" srcId="{C2A504BE-00D7-4B29-A656-4E7B8DE43048}" destId="{5819FC99-2BCA-4208-BFCD-B56131A5D6FD}" srcOrd="0" destOrd="0" presId="urn:microsoft.com/office/officeart/2005/8/layout/cycle8"/>
     <dgm:cxn modelId="{689C58CE-8CBF-4C05-B513-F78CD4ED49B8}" srcId="{C2A504BE-00D7-4B29-A656-4E7B8DE43048}" destId="{59F3E9B8-71B4-4D0A-8879-CC282726110B}" srcOrd="1" destOrd="0" parTransId="{316D8393-7523-4762-9464-F47442628045}" sibTransId="{E6708A5A-A71B-4641-8472-04F36494E791}"/>
@@ -6814,7 +6814,7 @@
           <a:p>
             <a:fld id="{8886BC84-1ED6-49B3-9FB3-58F08C436414}" type="datetimeFigureOut">
               <a:rPr lang="en-US" smtClean="0"/>
-              <a:t>12/10/2019</a:t>
+              <a:t>12/11/19</a:t>
             </a:fld>
             <a:endParaRPr lang="en-US"/>
           </a:p>
@@ -6972,7 +6972,7 @@
           <a:p>
             <a:fld id="{2BE9C489-682D-41E7-B366-2A87A834792E}" type="slidenum">
               <a:rPr lang="en-US" smtClean="0"/>
-              <a:t>‹#›</a:t>
+              <a:t>‹Nº›</a:t>
             </a:fld>
             <a:endParaRPr lang="en-US"/>
           </a:p>
@@ -7100,7 +7100,7 @@
       </p:grpSpPr>
       <p:sp>
         <p:nvSpPr>
-          <p:cNvPr id="2" name="Slide Image Placeholder 1"/>
+          <p:cNvPr id="2" name="Marcador de imagen de diapositiva 1"/>
           <p:cNvSpPr>
             <a:spLocks noGrp="1" noRot="1" noChangeAspect="1"/>
           </p:cNvSpPr>
@@ -7112,7 +7112,7 @@
       </p:sp>
       <p:sp>
         <p:nvSpPr>
-          <p:cNvPr id="3" name="Notes Placeholder 2"/>
+          <p:cNvPr id="3" name="Marcador de notas 2"/>
           <p:cNvSpPr>
             <a:spLocks noGrp="1"/>
           </p:cNvSpPr>
@@ -7125,37 +7125,13 @@
           <a:bodyPr/>
           <a:lstStyle/>
           <a:p>
-            <a:r>
-              <a:rPr lang="es-MX" dirty="0" err="1"/>
-              <a:t>Not</a:t>
-            </a:r>
-            <a:r>
-              <a:rPr lang="es-MX" dirty="0"/>
-              <a:t> a </a:t>
-            </a:r>
-            <a:r>
-              <a:rPr lang="es-MX" dirty="0" err="1"/>
-              <a:t>bad</a:t>
-            </a:r>
-            <a:r>
-              <a:rPr lang="es-MX" dirty="0"/>
-              <a:t> </a:t>
-            </a:r>
-            <a:r>
-              <a:rPr lang="es-MX" dirty="0" err="1"/>
-              <a:t>thing</a:t>
-            </a:r>
-            <a:r>
-              <a:rPr lang="es-MX" dirty="0"/>
-              <a:t>.</a:t>
-            </a:r>
-            <a:endParaRPr lang="en-US" dirty="0"/>
-          </a:p>
-        </p:txBody>
-      </p:sp>
-      <p:sp>
-        <p:nvSpPr>
-          <p:cNvPr id="4" name="Slide Number Placeholder 3"/>
+            <a:endParaRPr lang="es-CO"/>
+          </a:p>
+        </p:txBody>
+      </p:sp>
+      <p:sp>
+        <p:nvSpPr>
+          <p:cNvPr id="4" name="Marcador de número de diapositiva 3"/>
           <p:cNvSpPr>
             <a:spLocks noGrp="1"/>
           </p:cNvSpPr>
@@ -7170,7 +7146,7 @@
           <a:p>
             <a:fld id="{2BE9C489-682D-41E7-B366-2A87A834792E}" type="slidenum">
               <a:rPr lang="en-US" smtClean="0"/>
-              <a:t>8</a:t>
+              <a:t>1</a:t>
             </a:fld>
             <a:endParaRPr lang="en-US"/>
           </a:p>
@@ -7179,7 +7155,7 @@
     </p:spTree>
     <p:extLst>
       <p:ext uri="{BB962C8B-B14F-4D97-AF65-F5344CB8AC3E}">
-        <p14:creationId xmlns:p14="http://schemas.microsoft.com/office/powerpoint/2010/main" val="1144635232"/>
+        <p14:creationId xmlns:p14="http://schemas.microsoft.com/office/powerpoint/2010/main" val="3898331264"/>
       </p:ext>
     </p:extLst>
   </p:cSld>
@@ -7190,6 +7166,138 @@
 </file>
 
 <file path=ppt/notesSlides/notesSlide10.xml><?xml version="1.0" encoding="utf-8"?>
+<p:notes xmlns:a="http://schemas.openxmlformats.org/drawingml/2006/main" xmlns:r="http://schemas.openxmlformats.org/officeDocument/2006/relationships" xmlns:p="http://schemas.openxmlformats.org/presentationml/2006/main">
+  <p:cSld>
+    <p:spTree>
+      <p:nvGrpSpPr>
+        <p:cNvPr id="1" name=""/>
+        <p:cNvGrpSpPr/>
+        <p:nvPr/>
+      </p:nvGrpSpPr>
+      <p:grpSpPr>
+        <a:xfrm>
+          <a:off x="0" y="0"/>
+          <a:ext cx="0" cy="0"/>
+          <a:chOff x="0" y="0"/>
+          <a:chExt cx="0" cy="0"/>
+        </a:xfrm>
+      </p:grpSpPr>
+      <p:sp>
+        <p:nvSpPr>
+          <p:cNvPr id="2" name="Slide Image Placeholder 1"/>
+          <p:cNvSpPr>
+            <a:spLocks noGrp="1" noRot="1" noChangeAspect="1"/>
+          </p:cNvSpPr>
+          <p:nvPr>
+            <p:ph type="sldImg"/>
+          </p:nvPr>
+        </p:nvSpPr>
+        <p:spPr/>
+      </p:sp>
+      <p:sp>
+        <p:nvSpPr>
+          <p:cNvPr id="3" name="Notes Placeholder 2"/>
+          <p:cNvSpPr>
+            <a:spLocks noGrp="1"/>
+          </p:cNvSpPr>
+          <p:nvPr>
+            <p:ph type="body" idx="1"/>
+          </p:nvPr>
+        </p:nvSpPr>
+        <p:spPr/>
+        <p:txBody>
+          <a:bodyPr/>
+          <a:lstStyle/>
+          <a:p>
+            <a:r>
+              <a:rPr lang="es-MX" dirty="0" err="1"/>
+              <a:t>When</a:t>
+            </a:r>
+            <a:r>
+              <a:rPr lang="es-MX" dirty="0"/>
+              <a:t> </a:t>
+            </a:r>
+            <a:r>
+              <a:rPr lang="es-MX" dirty="0" err="1"/>
+              <a:t>talking</a:t>
+            </a:r>
+            <a:r>
+              <a:rPr lang="es-MX" dirty="0"/>
+              <a:t> </a:t>
+            </a:r>
+            <a:r>
+              <a:rPr lang="es-MX" dirty="0" err="1"/>
+              <a:t>about</a:t>
+            </a:r>
+            <a:r>
+              <a:rPr lang="es-MX" dirty="0"/>
+              <a:t> </a:t>
+            </a:r>
+            <a:r>
+              <a:rPr lang="es-MX" dirty="0" err="1"/>
+              <a:t>climate</a:t>
+            </a:r>
+            <a:r>
+              <a:rPr lang="es-MX" dirty="0"/>
+              <a:t> data, </a:t>
+            </a:r>
+            <a:r>
+              <a:rPr lang="es-MX" dirty="0" err="1"/>
+              <a:t>tiping</a:t>
+            </a:r>
+            <a:r>
+              <a:rPr lang="es-MX" dirty="0"/>
+              <a:t> </a:t>
+            </a:r>
+            <a:r>
+              <a:rPr lang="es-MX" dirty="0" err="1"/>
+              <a:t>points</a:t>
+            </a:r>
+            <a:r>
+              <a:rPr lang="es-MX" dirty="0"/>
+              <a:t> are crucial.</a:t>
+            </a:r>
+            <a:endParaRPr lang="en-US" dirty="0"/>
+          </a:p>
+        </p:txBody>
+      </p:sp>
+      <p:sp>
+        <p:nvSpPr>
+          <p:cNvPr id="4" name="Slide Number Placeholder 3"/>
+          <p:cNvSpPr>
+            <a:spLocks noGrp="1"/>
+          </p:cNvSpPr>
+          <p:nvPr>
+            <p:ph type="sldNum" sz="quarter" idx="5"/>
+          </p:nvPr>
+        </p:nvSpPr>
+        <p:spPr/>
+        <p:txBody>
+          <a:bodyPr/>
+          <a:lstStyle/>
+          <a:p>
+            <a:fld id="{2BE9C489-682D-41E7-B366-2A87A834792E}" type="slidenum">
+              <a:rPr lang="en-US" smtClean="0"/>
+              <a:t>16</a:t>
+            </a:fld>
+            <a:endParaRPr lang="en-US"/>
+          </a:p>
+        </p:txBody>
+      </p:sp>
+    </p:spTree>
+    <p:extLst>
+      <p:ext uri="{BB962C8B-B14F-4D97-AF65-F5344CB8AC3E}">
+        <p14:creationId xmlns:p14="http://schemas.microsoft.com/office/powerpoint/2010/main" val="1907882228"/>
+      </p:ext>
+    </p:extLst>
+  </p:cSld>
+  <p:clrMapOvr>
+    <a:masterClrMapping/>
+  </p:clrMapOvr>
+</p:notes>
+</file>
+
+<file path=ppt/notesSlides/notesSlide11.xml><?xml version="1.0" encoding="utf-8"?>
 <p:notes xmlns:a="http://schemas.openxmlformats.org/drawingml/2006/main" xmlns:r="http://schemas.openxmlformats.org/officeDocument/2006/relationships" xmlns:p="http://schemas.openxmlformats.org/presentationml/2006/main">
   <p:cSld>
     <p:spTree>
@@ -7415,124 +7523,20 @@
           <a:lstStyle/>
           <a:p>
             <a:r>
-              <a:rPr lang="es-MX" dirty="0" err="1"/>
-              <a:t>Realize</a:t>
-            </a:r>
-            <a:r>
               <a:rPr lang="es-MX" dirty="0"/>
-              <a:t>: </a:t>
-            </a:r>
-            <a:r>
-              <a:rPr lang="es-MX" dirty="0" err="1"/>
-              <a:t>How</a:t>
-            </a:r>
+              <a:t>Not a bad thing. </a:t>
+            </a:r>
+          </a:p>
+          <a:p>
             <a:r>
               <a:rPr lang="es-MX" dirty="0"/>
-              <a:t> </a:t>
-            </a:r>
-            <a:r>
-              <a:rPr lang="es-MX" dirty="0" err="1"/>
-              <a:t>long</a:t>
-            </a:r>
+              <a:t>Capability Adjusted Municipal Risk Index</a:t>
+            </a:r>
+          </a:p>
+          <a:p>
             <a:r>
               <a:rPr lang="es-MX" dirty="0"/>
-              <a:t> </a:t>
-            </a:r>
-            <a:r>
-              <a:rPr lang="es-MX" dirty="0" err="1"/>
-              <a:t>did</a:t>
-            </a:r>
-            <a:r>
-              <a:rPr lang="es-MX" dirty="0"/>
-              <a:t> </a:t>
-            </a:r>
-            <a:r>
-              <a:rPr lang="es-MX" dirty="0" err="1"/>
-              <a:t>it</a:t>
-            </a:r>
-            <a:r>
-              <a:rPr lang="es-MX" dirty="0"/>
-              <a:t> </a:t>
-            </a:r>
-            <a:r>
-              <a:rPr lang="es-MX" dirty="0" err="1"/>
-              <a:t>take</a:t>
-            </a:r>
-            <a:r>
-              <a:rPr lang="es-MX" dirty="0"/>
-              <a:t>.</a:t>
-            </a:r>
-          </a:p>
-          <a:p>
-            <a:r>
-              <a:rPr lang="es-MX" dirty="0" err="1"/>
-              <a:t>Make</a:t>
-            </a:r>
-            <a:r>
-              <a:rPr lang="es-MX" dirty="0"/>
-              <a:t> </a:t>
-            </a:r>
-            <a:r>
-              <a:rPr lang="es-MX" dirty="0" err="1"/>
-              <a:t>sense</a:t>
-            </a:r>
-            <a:r>
-              <a:rPr lang="es-MX" dirty="0"/>
-              <a:t>.</a:t>
-            </a:r>
-          </a:p>
-          <a:p>
-            <a:r>
-              <a:rPr lang="es-MX" dirty="0" err="1"/>
-              <a:t>Enters</a:t>
-            </a:r>
-            <a:r>
-              <a:rPr lang="es-MX" dirty="0"/>
-              <a:t> </a:t>
-            </a:r>
-            <a:r>
-              <a:rPr lang="es-MX" dirty="0" err="1"/>
-              <a:t>Integrated</a:t>
-            </a:r>
-            <a:r>
-              <a:rPr lang="es-MX" dirty="0"/>
-              <a:t> </a:t>
-            </a:r>
-            <a:r>
-              <a:rPr lang="es-MX" dirty="0" err="1"/>
-              <a:t>Map</a:t>
-            </a:r>
-            <a:r>
-              <a:rPr lang="es-MX" dirty="0"/>
-              <a:t> </a:t>
-            </a:r>
-            <a:r>
-              <a:rPr lang="es-MX" dirty="0" err="1"/>
-              <a:t>of</a:t>
-            </a:r>
-            <a:r>
-              <a:rPr lang="es-MX" dirty="0"/>
-              <a:t> </a:t>
-            </a:r>
-            <a:r>
-              <a:rPr lang="es-MX" dirty="0" err="1"/>
-              <a:t>Climate</a:t>
-            </a:r>
-            <a:r>
-              <a:rPr lang="es-MX" dirty="0"/>
-              <a:t> </a:t>
-            </a:r>
-            <a:r>
-              <a:rPr lang="es-MX" dirty="0" err="1"/>
-              <a:t>Associated</a:t>
-            </a:r>
-            <a:r>
-              <a:rPr lang="es-MX" dirty="0"/>
-              <a:t> </a:t>
-            </a:r>
-            <a:r>
-              <a:rPr lang="es-MX" dirty="0" err="1"/>
-              <a:t>Risk</a:t>
+              <a:t>Measures the assets a municipality has in relation the level of risk it is exposed to.</a:t>
             </a:r>
             <a:endParaRPr lang="en-US" dirty="0"/>
           </a:p>
@@ -7555,7 +7559,7 @@
           <a:p>
             <a:fld id="{2BE9C489-682D-41E7-B366-2A87A834792E}" type="slidenum">
               <a:rPr lang="en-US" smtClean="0"/>
-              <a:t>9</a:t>
+              <a:t>8</a:t>
             </a:fld>
             <a:endParaRPr lang="en-US"/>
           </a:p>
@@ -7564,7 +7568,7 @@
     </p:spTree>
     <p:extLst>
       <p:ext uri="{BB962C8B-B14F-4D97-AF65-F5344CB8AC3E}">
-        <p14:creationId xmlns:p14="http://schemas.microsoft.com/office/powerpoint/2010/main" val="1785851959"/>
+        <p14:creationId xmlns:p14="http://schemas.microsoft.com/office/powerpoint/2010/main" val="1144635232"/>
       </p:ext>
     </p:extLst>
   </p:cSld>
@@ -7620,15 +7624,15 @@
           <a:p>
             <a:r>
               <a:rPr lang="es-MX" dirty="0" err="1"/>
-              <a:t>Remember</a:t>
+              <a:t>Realize</a:t>
             </a:r>
             <a:r>
               <a:rPr lang="es-MX" dirty="0"/>
-              <a:t>, </a:t>
+              <a:t>: </a:t>
             </a:r>
             <a:r>
               <a:rPr lang="es-MX" dirty="0" err="1"/>
-              <a:t>this</a:t>
+              <a:t>How</a:t>
             </a:r>
             <a:r>
               <a:rPr lang="es-MX" dirty="0"/>
@@ -7636,7 +7640,7 @@
             </a:r>
             <a:r>
               <a:rPr lang="es-MX" dirty="0" err="1"/>
-              <a:t>is</a:t>
+              <a:t>long</a:t>
             </a:r>
             <a:r>
               <a:rPr lang="es-MX" dirty="0"/>
@@ -7644,40 +7648,7 @@
             </a:r>
             <a:r>
               <a:rPr lang="es-MX" dirty="0" err="1"/>
-              <a:t>about</a:t>
-            </a:r>
-            <a:r>
-              <a:rPr lang="es-MX" dirty="0"/>
-              <a:t> decisión </a:t>
-            </a:r>
-            <a:r>
-              <a:rPr lang="es-MX" dirty="0" err="1"/>
-              <a:t>Making</a:t>
-            </a:r>
-            <a:endParaRPr lang="es-MX" dirty="0"/>
-          </a:p>
-          <a:p>
-            <a:r>
-              <a:rPr lang="es-MX" dirty="0" err="1"/>
-              <a:t>Person</a:t>
-            </a:r>
-            <a:r>
-              <a:rPr lang="es-MX" dirty="0"/>
-              <a:t> casting a vote</a:t>
-            </a:r>
-          </a:p>
-          <a:p>
-            <a:r>
-              <a:rPr lang="es-MX" dirty="0" err="1"/>
-              <a:t>Reaching</a:t>
-            </a:r>
-            <a:r>
-              <a:rPr lang="es-MX" dirty="0"/>
-              <a:t> a </a:t>
-            </a:r>
-            <a:r>
-              <a:rPr lang="es-MX" dirty="0" err="1"/>
-              <a:t>key</a:t>
+              <a:t>did</a:t>
             </a:r>
             <a:r>
               <a:rPr lang="es-MX" dirty="0"/>
@@ -7685,7 +7656,91 @@
             </a:r>
             <a:r>
               <a:rPr lang="es-MX" dirty="0" err="1"/>
-              <a:t>point</a:t>
+              <a:t>it</a:t>
+            </a:r>
+            <a:r>
+              <a:rPr lang="es-MX" dirty="0"/>
+              <a:t> </a:t>
+            </a:r>
+            <a:r>
+              <a:rPr lang="es-MX" dirty="0" err="1"/>
+              <a:t>take</a:t>
+            </a:r>
+            <a:r>
+              <a:rPr lang="es-MX" dirty="0"/>
+              <a:t>.</a:t>
+            </a:r>
+          </a:p>
+          <a:p>
+            <a:r>
+              <a:rPr lang="es-MX" dirty="0" err="1"/>
+              <a:t>Make</a:t>
+            </a:r>
+            <a:r>
+              <a:rPr lang="es-MX" dirty="0"/>
+              <a:t> </a:t>
+            </a:r>
+            <a:r>
+              <a:rPr lang="es-MX" dirty="0" err="1"/>
+              <a:t>sense</a:t>
+            </a:r>
+            <a:r>
+              <a:rPr lang="es-MX" dirty="0"/>
+              <a:t>.</a:t>
+            </a:r>
+          </a:p>
+          <a:p>
+            <a:r>
+              <a:rPr lang="es-MX" dirty="0" err="1"/>
+              <a:t>Enters</a:t>
+            </a:r>
+            <a:r>
+              <a:rPr lang="es-MX" dirty="0"/>
+              <a:t> </a:t>
+            </a:r>
+            <a:r>
+              <a:rPr lang="es-MX" dirty="0" err="1"/>
+              <a:t>Integrated</a:t>
+            </a:r>
+            <a:r>
+              <a:rPr lang="es-MX" dirty="0"/>
+              <a:t> </a:t>
+            </a:r>
+            <a:r>
+              <a:rPr lang="es-MX" dirty="0" err="1"/>
+              <a:t>Map</a:t>
+            </a:r>
+            <a:r>
+              <a:rPr lang="es-MX" dirty="0"/>
+              <a:t> </a:t>
+            </a:r>
+            <a:r>
+              <a:rPr lang="es-MX" dirty="0" err="1"/>
+              <a:t>of</a:t>
+            </a:r>
+            <a:r>
+              <a:rPr lang="es-MX" dirty="0"/>
+              <a:t> </a:t>
+            </a:r>
+            <a:r>
+              <a:rPr lang="es-MX" dirty="0" err="1"/>
+              <a:t>Climate</a:t>
+            </a:r>
+            <a:r>
+              <a:rPr lang="es-MX" dirty="0"/>
+              <a:t> </a:t>
+            </a:r>
+            <a:r>
+              <a:rPr lang="es-MX" dirty="0" err="1"/>
+              <a:t>Associated</a:t>
+            </a:r>
+            <a:r>
+              <a:rPr lang="es-MX" dirty="0"/>
+              <a:t> </a:t>
+            </a:r>
+            <a:r>
+              <a:rPr lang="es-MX" dirty="0" err="1"/>
+              <a:t>Risk</a:t>
             </a:r>
             <a:endParaRPr lang="en-US" dirty="0"/>
           </a:p>
@@ -7708,7 +7763,7 @@
           <a:p>
             <a:fld id="{2BE9C489-682D-41E7-B366-2A87A834792E}" type="slidenum">
               <a:rPr lang="en-US" smtClean="0"/>
-              <a:t>10</a:t>
+              <a:t>9</a:t>
             </a:fld>
             <a:endParaRPr lang="en-US"/>
           </a:p>
@@ -7717,7 +7772,7 @@
     </p:spTree>
     <p:extLst>
       <p:ext uri="{BB962C8B-B14F-4D97-AF65-F5344CB8AC3E}">
-        <p14:creationId xmlns:p14="http://schemas.microsoft.com/office/powerpoint/2010/main" val="3088333302"/>
+        <p14:creationId xmlns:p14="http://schemas.microsoft.com/office/powerpoint/2010/main" val="1785851959"/>
       </p:ext>
     </p:extLst>
   </p:cSld>
@@ -7771,6 +7826,75 @@
           <a:bodyPr/>
           <a:lstStyle/>
           <a:p>
+            <a:r>
+              <a:rPr lang="es-MX" dirty="0" err="1"/>
+              <a:t>Remember</a:t>
+            </a:r>
+            <a:r>
+              <a:rPr lang="es-MX" dirty="0"/>
+              <a:t>, </a:t>
+            </a:r>
+            <a:r>
+              <a:rPr lang="es-MX" dirty="0" err="1"/>
+              <a:t>this</a:t>
+            </a:r>
+            <a:r>
+              <a:rPr lang="es-MX" dirty="0"/>
+              <a:t> </a:t>
+            </a:r>
+            <a:r>
+              <a:rPr lang="es-MX" dirty="0" err="1"/>
+              <a:t>is</a:t>
+            </a:r>
+            <a:r>
+              <a:rPr lang="es-MX" dirty="0"/>
+              <a:t> </a:t>
+            </a:r>
+            <a:r>
+              <a:rPr lang="es-MX" dirty="0" err="1"/>
+              <a:t>about</a:t>
+            </a:r>
+            <a:r>
+              <a:rPr lang="es-MX" dirty="0"/>
+              <a:t> decisión </a:t>
+            </a:r>
+            <a:r>
+              <a:rPr lang="es-MX" dirty="0" err="1"/>
+              <a:t>Making</a:t>
+            </a:r>
+            <a:endParaRPr lang="es-MX" dirty="0"/>
+          </a:p>
+          <a:p>
+            <a:r>
+              <a:rPr lang="es-MX" dirty="0" err="1"/>
+              <a:t>Person</a:t>
+            </a:r>
+            <a:r>
+              <a:rPr lang="es-MX" dirty="0"/>
+              <a:t> casting a vote</a:t>
+            </a:r>
+          </a:p>
+          <a:p>
+            <a:r>
+              <a:rPr lang="es-MX" dirty="0" err="1"/>
+              <a:t>Reaching</a:t>
+            </a:r>
+            <a:r>
+              <a:rPr lang="es-MX" dirty="0"/>
+              <a:t> a </a:t>
+            </a:r>
+            <a:r>
+              <a:rPr lang="es-MX" dirty="0" err="1"/>
+              <a:t>key</a:t>
+            </a:r>
+            <a:r>
+              <a:rPr lang="es-MX" dirty="0"/>
+              <a:t> </a:t>
+            </a:r>
+            <a:r>
+              <a:rPr lang="es-MX" dirty="0" err="1"/>
+              <a:t>point</a:t>
+            </a:r>
             <a:endParaRPr lang="en-US" dirty="0"/>
           </a:p>
         </p:txBody>
@@ -7792,7 +7916,7 @@
           <a:p>
             <a:fld id="{2BE9C489-682D-41E7-B366-2A87A834792E}" type="slidenum">
               <a:rPr lang="en-US" smtClean="0"/>
-              <a:t>11</a:t>
+              <a:t>10</a:t>
             </a:fld>
             <a:endParaRPr lang="en-US"/>
           </a:p>
@@ -7801,7 +7925,7 @@
     </p:spTree>
     <p:extLst>
       <p:ext uri="{BB962C8B-B14F-4D97-AF65-F5344CB8AC3E}">
-        <p14:creationId xmlns:p14="http://schemas.microsoft.com/office/powerpoint/2010/main" val="2711384661"/>
+        <p14:creationId xmlns:p14="http://schemas.microsoft.com/office/powerpoint/2010/main" val="3088333302"/>
       </p:ext>
     </p:extLst>
   </p:cSld>
@@ -7855,158 +7979,6 @@
           <a:bodyPr/>
           <a:lstStyle/>
           <a:p>
-            <a:r>
-              <a:rPr lang="es-MX" dirty="0" err="1"/>
-              <a:t>Departments</a:t>
-            </a:r>
-            <a:r>
-              <a:rPr lang="es-MX" dirty="0"/>
-              <a:t> </a:t>
-            </a:r>
-            <a:r>
-              <a:rPr lang="es-MX" dirty="0" err="1"/>
-              <a:t>heatmap</a:t>
-            </a:r>
-            <a:r>
-              <a:rPr lang="es-MX" dirty="0"/>
-              <a:t> </a:t>
-            </a:r>
-            <a:r>
-              <a:rPr lang="es-MX" dirty="0" err="1"/>
-              <a:t>responds</a:t>
-            </a:r>
-            <a:r>
-              <a:rPr lang="es-MX" dirty="0"/>
-              <a:t> </a:t>
-            </a:r>
-            <a:r>
-              <a:rPr lang="es-MX" dirty="0" err="1"/>
-              <a:t>to</a:t>
-            </a:r>
-            <a:r>
-              <a:rPr lang="es-MX" dirty="0"/>
-              <a:t> </a:t>
-            </a:r>
-            <a:r>
-              <a:rPr lang="es-MX" dirty="0" err="1"/>
-              <a:t>Percentage</a:t>
-            </a:r>
-            <a:r>
-              <a:rPr lang="es-MX" dirty="0"/>
-              <a:t> </a:t>
-            </a:r>
-            <a:r>
-              <a:rPr lang="es-MX" dirty="0" err="1"/>
-              <a:t>of</a:t>
-            </a:r>
-            <a:r>
-              <a:rPr lang="es-MX" dirty="0"/>
-              <a:t> </a:t>
-            </a:r>
-            <a:r>
-              <a:rPr lang="es-MX" dirty="0" err="1"/>
-              <a:t>population</a:t>
-            </a:r>
-            <a:r>
-              <a:rPr lang="es-MX" dirty="0"/>
-              <a:t> </a:t>
-            </a:r>
-            <a:r>
-              <a:rPr lang="es-MX" dirty="0" err="1"/>
-              <a:t>exposed</a:t>
-            </a:r>
-            <a:r>
-              <a:rPr lang="es-MX" dirty="0"/>
-              <a:t>.</a:t>
-            </a:r>
-          </a:p>
-          <a:p>
-            <a:r>
-              <a:rPr lang="es-MX" dirty="0" err="1"/>
-              <a:t>Right</a:t>
-            </a:r>
-            <a:r>
-              <a:rPr lang="es-MX" dirty="0"/>
-              <a:t> </a:t>
-            </a:r>
-            <a:r>
-              <a:rPr lang="es-MX" dirty="0" err="1"/>
-              <a:t>hand</a:t>
-            </a:r>
-            <a:r>
-              <a:rPr lang="es-MX" dirty="0"/>
-              <a:t> </a:t>
-            </a:r>
-            <a:r>
-              <a:rPr lang="es-MX" dirty="0" err="1"/>
-              <a:t>side</a:t>
-            </a:r>
-            <a:r>
-              <a:rPr lang="es-MX" dirty="0"/>
-              <a:t>: </a:t>
-            </a:r>
-            <a:r>
-              <a:rPr lang="es-MX" dirty="0" err="1"/>
-              <a:t>Impact</a:t>
-            </a:r>
-            <a:r>
-              <a:rPr lang="es-MX" dirty="0"/>
-              <a:t> variables </a:t>
-            </a:r>
-            <a:r>
-              <a:rPr lang="es-MX" dirty="0" err="1"/>
-              <a:t>exploration</a:t>
-            </a:r>
-            <a:r>
-              <a:rPr lang="es-MX" dirty="0"/>
-              <a:t>.</a:t>
-            </a:r>
-          </a:p>
-          <a:p>
-            <a:r>
-              <a:rPr lang="es-MX" dirty="0" err="1"/>
-              <a:t>Click</a:t>
-            </a:r>
-            <a:r>
-              <a:rPr lang="es-MX" dirty="0"/>
-              <a:t> </a:t>
-            </a:r>
-            <a:r>
-              <a:rPr lang="es-MX" dirty="0" err="1"/>
-              <a:t>to</a:t>
-            </a:r>
-            <a:r>
-              <a:rPr lang="es-MX" dirty="0"/>
-              <a:t> drill </a:t>
-            </a:r>
-            <a:r>
-              <a:rPr lang="es-MX" dirty="0" err="1"/>
-              <a:t>down</a:t>
-            </a:r>
-            <a:r>
-              <a:rPr lang="es-MX" dirty="0"/>
-              <a:t> </a:t>
-            </a:r>
-            <a:r>
-              <a:rPr lang="es-MX" dirty="0" err="1"/>
-              <a:t>into</a:t>
-            </a:r>
-            <a:r>
-              <a:rPr lang="es-MX" dirty="0"/>
-              <a:t> </a:t>
-            </a:r>
-            <a:r>
-              <a:rPr lang="es-MX" dirty="0" err="1"/>
-              <a:t>the</a:t>
-            </a:r>
-            <a:r>
-              <a:rPr lang="es-MX" dirty="0"/>
-              <a:t> municipal </a:t>
-            </a:r>
-            <a:r>
-              <a:rPr lang="es-MX" dirty="0" err="1"/>
-              <a:t>level</a:t>
-            </a:r>
             <a:endParaRPr lang="en-US" dirty="0"/>
           </a:p>
         </p:txBody>
@@ -8028,7 +8000,7 @@
           <a:p>
             <a:fld id="{2BE9C489-682D-41E7-B366-2A87A834792E}" type="slidenum">
               <a:rPr lang="en-US" smtClean="0"/>
-              <a:t>12</a:t>
+              <a:t>11</a:t>
             </a:fld>
             <a:endParaRPr lang="en-US"/>
           </a:p>
@@ -8037,7 +8009,7 @@
     </p:spTree>
     <p:extLst>
       <p:ext uri="{BB962C8B-B14F-4D97-AF65-F5344CB8AC3E}">
-        <p14:creationId xmlns:p14="http://schemas.microsoft.com/office/powerpoint/2010/main" val="1912105557"/>
+        <p14:creationId xmlns:p14="http://schemas.microsoft.com/office/powerpoint/2010/main" val="2711384661"/>
       </p:ext>
     </p:extLst>
   </p:cSld>
@@ -8093,7 +8065,7 @@
           <a:p>
             <a:r>
               <a:rPr lang="es-MX" dirty="0" err="1"/>
-              <a:t>Now</a:t>
+              <a:t>Departments</a:t>
             </a:r>
             <a:r>
               <a:rPr lang="es-MX" dirty="0"/>
@@ -8101,15 +8073,7 @@
             </a:r>
             <a:r>
               <a:rPr lang="es-MX" dirty="0" err="1"/>
-              <a:t>we</a:t>
-            </a:r>
-            <a:r>
-              <a:rPr lang="es-MX" dirty="0"/>
-              <a:t> can </a:t>
-            </a:r>
-            <a:r>
-              <a:rPr lang="es-MX" dirty="0" err="1"/>
-              <a:t>also</a:t>
+              <a:t>heatmap</a:t>
             </a:r>
             <a:r>
               <a:rPr lang="es-MX" dirty="0"/>
@@ -8117,7 +8081,7 @@
             </a:r>
             <a:r>
               <a:rPr lang="es-MX" dirty="0" err="1"/>
-              <a:t>see</a:t>
+              <a:t>responds</a:t>
             </a:r>
             <a:r>
               <a:rPr lang="es-MX" dirty="0"/>
@@ -8125,23 +8089,7 @@
             </a:r>
             <a:r>
               <a:rPr lang="es-MX" dirty="0" err="1"/>
-              <a:t>the</a:t>
-            </a:r>
-            <a:r>
-              <a:rPr lang="es-MX" dirty="0"/>
-              <a:t> Max and Min </a:t>
-            </a:r>
-            <a:r>
-              <a:rPr lang="es-MX" dirty="0" err="1"/>
-              <a:t>average</a:t>
-            </a:r>
-            <a:r>
-              <a:rPr lang="es-MX" dirty="0"/>
-              <a:t> temperatura </a:t>
-            </a:r>
-            <a:r>
-              <a:rPr lang="es-MX" dirty="0" err="1"/>
-              <a:t>for</a:t>
+              <a:t>to</a:t>
             </a:r>
             <a:r>
               <a:rPr lang="es-MX" dirty="0"/>
@@ -8149,31 +8097,7 @@
             </a:r>
             <a:r>
               <a:rPr lang="es-MX" dirty="0" err="1"/>
-              <a:t>that</a:t>
-            </a:r>
-            <a:r>
-              <a:rPr lang="es-MX" dirty="0"/>
-              <a:t> particular Latitud and Longitud. </a:t>
-            </a:r>
-            <a:r>
-              <a:rPr lang="es-MX" dirty="0" err="1"/>
-              <a:t>We</a:t>
-            </a:r>
-            <a:r>
-              <a:rPr lang="es-MX" dirty="0"/>
-              <a:t> are </a:t>
-            </a:r>
-            <a:r>
-              <a:rPr lang="es-MX" dirty="0" err="1"/>
-              <a:t>reaching</a:t>
-            </a:r>
-            <a:r>
-              <a:rPr lang="es-MX" dirty="0"/>
-              <a:t> a </a:t>
-            </a:r>
-            <a:r>
-              <a:rPr lang="es-MX" dirty="0" err="1"/>
-              <a:t>key</a:t>
+              <a:t>Percentage</a:t>
             </a:r>
             <a:r>
               <a:rPr lang="es-MX" dirty="0"/>
@@ -8181,7 +8105,7 @@
             </a:r>
             <a:r>
               <a:rPr lang="es-MX" dirty="0" err="1"/>
-              <a:t>point</a:t>
+              <a:t>of</a:t>
             </a:r>
             <a:r>
               <a:rPr lang="es-MX" dirty="0"/>
@@ -8189,15 +8113,7 @@
             </a:r>
             <a:r>
               <a:rPr lang="es-MX" dirty="0" err="1"/>
-              <a:t>here</a:t>
-            </a:r>
-            <a:r>
-              <a:rPr lang="es-MX" dirty="0"/>
-              <a:t>. </a:t>
-            </a:r>
-            <a:r>
-              <a:rPr lang="es-MX" dirty="0" err="1"/>
-              <a:t>But</a:t>
+              <a:t>population</a:t>
             </a:r>
             <a:r>
               <a:rPr lang="es-MX" dirty="0"/>
@@ -8205,7 +8121,17 @@
             </a:r>
             <a:r>
               <a:rPr lang="es-MX" dirty="0" err="1"/>
-              <a:t>let’s</a:t>
+              <a:t>exposed</a:t>
+            </a:r>
+            <a:r>
+              <a:rPr lang="es-MX" dirty="0"/>
+              <a:t>.</a:t>
+            </a:r>
+          </a:p>
+          <a:p>
+            <a:r>
+              <a:rPr lang="es-MX" dirty="0" err="1"/>
+              <a:t>Right</a:t>
             </a:r>
             <a:r>
               <a:rPr lang="es-MX" dirty="0"/>
@@ -8213,7 +8139,7 @@
             </a:r>
             <a:r>
               <a:rPr lang="es-MX" dirty="0" err="1"/>
-              <a:t>see</a:t>
+              <a:t>hand</a:t>
             </a:r>
             <a:r>
               <a:rPr lang="es-MX" dirty="0"/>
@@ -8221,7 +8147,33 @@
             </a:r>
             <a:r>
               <a:rPr lang="es-MX" dirty="0" err="1"/>
-              <a:t>an</a:t>
+              <a:t>side</a:t>
+            </a:r>
+            <a:r>
+              <a:rPr lang="es-MX" dirty="0"/>
+              <a:t>: </a:t>
+            </a:r>
+            <a:r>
+              <a:rPr lang="es-MX" dirty="0" err="1"/>
+              <a:t>Impact</a:t>
+            </a:r>
+            <a:r>
+              <a:rPr lang="es-MX" dirty="0"/>
+              <a:t> variables </a:t>
+            </a:r>
+            <a:r>
+              <a:rPr lang="es-MX" dirty="0" err="1"/>
+              <a:t>exploration</a:t>
+            </a:r>
+            <a:r>
+              <a:rPr lang="es-MX" dirty="0"/>
+              <a:t>.</a:t>
+            </a:r>
+          </a:p>
+          <a:p>
+            <a:r>
+              <a:rPr lang="es-MX" dirty="0" err="1"/>
+              <a:t>Click</a:t>
             </a:r>
             <a:r>
               <a:rPr lang="es-MX" dirty="0"/>
@@ -8229,11 +8181,39 @@
             </a:r>
             <a:r>
               <a:rPr lang="es-MX" dirty="0" err="1"/>
-              <a:t>example</a:t>
+              <a:t>to</a:t>
             </a:r>
             <a:r>
               <a:rPr lang="es-MX" dirty="0"/>
-              <a:t>. CLICK</a:t>
+              <a:t> drill </a:t>
+            </a:r>
+            <a:r>
+              <a:rPr lang="es-MX" dirty="0" err="1"/>
+              <a:t>down</a:t>
+            </a:r>
+            <a:r>
+              <a:rPr lang="es-MX" dirty="0"/>
+              <a:t> </a:t>
+            </a:r>
+            <a:r>
+              <a:rPr lang="es-MX" dirty="0" err="1"/>
+              <a:t>into</a:t>
+            </a:r>
+            <a:r>
+              <a:rPr lang="es-MX" dirty="0"/>
+              <a:t> </a:t>
+            </a:r>
+            <a:r>
+              <a:rPr lang="es-MX" dirty="0" err="1"/>
+              <a:t>the</a:t>
+            </a:r>
+            <a:r>
+              <a:rPr lang="es-MX" dirty="0"/>
+              <a:t> municipal </a:t>
+            </a:r>
+            <a:r>
+              <a:rPr lang="es-MX" dirty="0" err="1"/>
+              <a:t>level</a:t>
             </a:r>
             <a:endParaRPr lang="en-US" dirty="0"/>
           </a:p>
@@ -8256,7 +8236,7 @@
           <a:p>
             <a:fld id="{2BE9C489-682D-41E7-B366-2A87A834792E}" type="slidenum">
               <a:rPr lang="en-US" smtClean="0"/>
-              <a:t>13</a:t>
+              <a:t>12</a:t>
             </a:fld>
             <a:endParaRPr lang="en-US"/>
           </a:p>
@@ -8265,7 +8245,7 @@
     </p:spTree>
     <p:extLst>
       <p:ext uri="{BB962C8B-B14F-4D97-AF65-F5344CB8AC3E}">
-        <p14:creationId xmlns:p14="http://schemas.microsoft.com/office/powerpoint/2010/main" val="2820760816"/>
+        <p14:creationId xmlns:p14="http://schemas.microsoft.com/office/powerpoint/2010/main" val="1912105557"/>
       </p:ext>
     </p:extLst>
   </p:cSld>
@@ -8320,35 +8300,8 @@
           <a:lstStyle/>
           <a:p>
             <a:r>
-              <a:rPr lang="es-MX" dirty="0"/>
-              <a:t>Max </a:t>
-            </a:r>
-            <a:r>
               <a:rPr lang="es-MX" dirty="0" err="1"/>
-              <a:t>avg</a:t>
-            </a:r>
-            <a:r>
-              <a:rPr lang="es-MX" dirty="0"/>
-              <a:t> mean </a:t>
-            </a:r>
-            <a:r>
-              <a:rPr lang="es-MX" dirty="0" err="1"/>
-              <a:t>temp</a:t>
-            </a:r>
-            <a:endParaRPr lang="es-MX" dirty="0"/>
-          </a:p>
-          <a:p>
-            <a:r>
-              <a:rPr lang="es-MX" dirty="0" err="1"/>
-              <a:t>Reaches</a:t>
-            </a:r>
-            <a:r>
-              <a:rPr lang="es-MX" dirty="0"/>
-              <a:t> 29° </a:t>
-            </a:r>
-            <a:r>
-              <a:rPr lang="es-MX" dirty="0" err="1"/>
-              <a:t>Threshold</a:t>
+              <a:t>Now</a:t>
             </a:r>
             <a:r>
               <a:rPr lang="es-MX" dirty="0"/>
@@ -8356,46 +8309,15 @@
             </a:r>
             <a:r>
               <a:rPr lang="es-MX" dirty="0" err="1"/>
-              <a:t>roughly</a:t>
+              <a:t>we</a:t>
             </a:r>
             <a:r>
               <a:rPr lang="es-MX" dirty="0"/>
-              <a:t> 6 </a:t>
+              <a:t> can </a:t>
             </a:r>
             <a:r>
               <a:rPr lang="es-MX" dirty="0" err="1"/>
-              <a:t>to</a:t>
-            </a:r>
-            <a:r>
-              <a:rPr lang="es-MX" dirty="0"/>
-              <a:t> 10 </a:t>
-            </a:r>
-            <a:r>
-              <a:rPr lang="es-MX" dirty="0" err="1"/>
-              <a:t>years</a:t>
-            </a:r>
-            <a:endParaRPr lang="es-MX" dirty="0"/>
-          </a:p>
-          <a:p>
-            <a:r>
-              <a:rPr lang="es-MX" dirty="0" err="1"/>
-              <a:t>That’s</a:t>
-            </a:r>
-            <a:r>
-              <a:rPr lang="es-MX" dirty="0"/>
-              <a:t> up </a:t>
-            </a:r>
-            <a:r>
-              <a:rPr lang="es-MX" dirty="0" err="1"/>
-              <a:t>to</a:t>
-            </a:r>
-            <a:r>
-              <a:rPr lang="es-MX" dirty="0"/>
-              <a:t> 2010 </a:t>
-            </a:r>
-            <a:r>
-              <a:rPr lang="es-MX" dirty="0" err="1"/>
-              <a:t>when</a:t>
+              <a:t>also</a:t>
             </a:r>
             <a:r>
               <a:rPr lang="es-MX" dirty="0"/>
@@ -8403,7 +8325,7 @@
             </a:r>
             <a:r>
               <a:rPr lang="es-MX" dirty="0" err="1"/>
-              <a:t>not</a:t>
+              <a:t>see</a:t>
             </a:r>
             <a:r>
               <a:rPr lang="es-MX" dirty="0"/>
@@ -8411,7 +8333,23 @@
             </a:r>
             <a:r>
               <a:rPr lang="es-MX" dirty="0" err="1"/>
-              <a:t>only</a:t>
+              <a:t>the</a:t>
+            </a:r>
+            <a:r>
+              <a:rPr lang="es-MX" dirty="0"/>
+              <a:t> Max and Min </a:t>
+            </a:r>
+            <a:r>
+              <a:rPr lang="es-MX" dirty="0" err="1"/>
+              <a:t>average</a:t>
+            </a:r>
+            <a:r>
+              <a:rPr lang="es-MX" dirty="0"/>
+              <a:t> temperatura </a:t>
+            </a:r>
+            <a:r>
+              <a:rPr lang="es-MX" dirty="0" err="1"/>
+              <a:t>for</a:t>
             </a:r>
             <a:r>
               <a:rPr lang="es-MX" dirty="0"/>
@@ -8419,15 +8357,31 @@
             </a:r>
             <a:r>
               <a:rPr lang="es-MX" dirty="0" err="1"/>
-              <a:t>the</a:t>
+              <a:t>that</a:t>
             </a:r>
             <a:r>
               <a:rPr lang="es-MX" dirty="0"/>
-              <a:t> Interval </a:t>
+              <a:t> particular Latitud and Longitud. </a:t>
             </a:r>
             <a:r>
               <a:rPr lang="es-MX" dirty="0" err="1"/>
-              <a:t>is</a:t>
+              <a:t>We</a:t>
+            </a:r>
+            <a:r>
+              <a:rPr lang="es-MX" dirty="0"/>
+              <a:t> are </a:t>
+            </a:r>
+            <a:r>
+              <a:rPr lang="es-MX" dirty="0" err="1"/>
+              <a:t>reaching</a:t>
+            </a:r>
+            <a:r>
+              <a:rPr lang="es-MX" dirty="0"/>
+              <a:t> a </a:t>
+            </a:r>
+            <a:r>
+              <a:rPr lang="es-MX" dirty="0" err="1"/>
+              <a:t>key</a:t>
             </a:r>
             <a:r>
               <a:rPr lang="es-MX" dirty="0"/>
@@ -8435,7 +8389,7 @@
             </a:r>
             <a:r>
               <a:rPr lang="es-MX" dirty="0" err="1"/>
-              <a:t>shorter</a:t>
+              <a:t>point</a:t>
             </a:r>
             <a:r>
               <a:rPr lang="es-MX" dirty="0"/>
@@ -8443,7 +8397,15 @@
             </a:r>
             <a:r>
               <a:rPr lang="es-MX" dirty="0" err="1"/>
-              <a:t>but</a:t>
+              <a:t>here</a:t>
+            </a:r>
+            <a:r>
+              <a:rPr lang="es-MX" dirty="0"/>
+              <a:t>. </a:t>
+            </a:r>
+            <a:r>
+              <a:rPr lang="es-MX" dirty="0" err="1"/>
+              <a:t>But</a:t>
             </a:r>
             <a:r>
               <a:rPr lang="es-MX" dirty="0"/>
@@ -8451,7 +8413,7 @@
             </a:r>
             <a:r>
               <a:rPr lang="es-MX" dirty="0" err="1"/>
-              <a:t>temp</a:t>
+              <a:t>let’s</a:t>
             </a:r>
             <a:r>
               <a:rPr lang="es-MX" dirty="0"/>
@@ -8459,7 +8421,7 @@
             </a:r>
             <a:r>
               <a:rPr lang="es-MX" dirty="0" err="1"/>
-              <a:t>stays</a:t>
+              <a:t>see</a:t>
             </a:r>
             <a:r>
               <a:rPr lang="es-MX" dirty="0"/>
@@ -8467,15 +8429,7 @@
             </a:r>
             <a:r>
               <a:rPr lang="es-MX" dirty="0" err="1"/>
-              <a:t>above</a:t>
-            </a:r>
-            <a:r>
-              <a:rPr lang="es-MX" dirty="0"/>
-              <a:t> 29 </a:t>
-            </a:r>
-            <a:r>
-              <a:rPr lang="es-MX" dirty="0" err="1"/>
-              <a:t>for</a:t>
+              <a:t>an</a:t>
             </a:r>
             <a:r>
               <a:rPr lang="es-MX" dirty="0"/>
@@ -8483,70 +8437,12 @@
             </a:r>
             <a:r>
               <a:rPr lang="es-MX" dirty="0" err="1"/>
-              <a:t>the</a:t>
+              <a:t>example</a:t>
             </a:r>
             <a:r>
               <a:rPr lang="es-MX" dirty="0"/>
-              <a:t> </a:t>
-            </a:r>
-            <a:r>
-              <a:rPr lang="es-MX" dirty="0" err="1"/>
-              <a:t>next</a:t>
-            </a:r>
-            <a:r>
-              <a:rPr lang="es-MX" dirty="0"/>
-              <a:t> 3 </a:t>
-            </a:r>
-            <a:r>
-              <a:rPr lang="es-MX" dirty="0" err="1"/>
-              <a:t>years</a:t>
-            </a:r>
-            <a:r>
-              <a:rPr lang="es-MX" dirty="0"/>
-              <a:t>.</a:t>
-            </a:r>
-          </a:p>
-          <a:p>
-            <a:endParaRPr lang="es-MX" dirty="0"/>
-          </a:p>
-          <a:p>
-            <a:r>
-              <a:rPr lang="es-MX" dirty="0" err="1"/>
-              <a:t>Recap</a:t>
-            </a:r>
-            <a:r>
-              <a:rPr lang="es-MX" dirty="0"/>
-              <a:t> </a:t>
-            </a:r>
-            <a:r>
-              <a:rPr lang="es-MX" dirty="0" err="1"/>
-              <a:t>what</a:t>
-            </a:r>
-            <a:r>
-              <a:rPr lang="es-MX" dirty="0"/>
-              <a:t> </a:t>
-            </a:r>
-            <a:r>
-              <a:rPr lang="es-MX" dirty="0" err="1"/>
-              <a:t>we</a:t>
-            </a:r>
-            <a:r>
-              <a:rPr lang="es-MX" dirty="0"/>
-              <a:t> </a:t>
-            </a:r>
-            <a:r>
-              <a:rPr lang="es-MX" dirty="0" err="1"/>
-              <a:t>know</a:t>
-            </a:r>
-            <a:r>
-              <a:rPr lang="es-MX" dirty="0"/>
-              <a:t>:</a:t>
-            </a:r>
-          </a:p>
-          <a:p>
-            <a:endParaRPr lang="es-MX" dirty="0"/>
-          </a:p>
-          <a:p>
+              <a:t>. CLICK</a:t>
+            </a:r>
             <a:endParaRPr lang="en-US" dirty="0"/>
           </a:p>
         </p:txBody>
@@ -8568,7 +8464,7 @@
           <a:p>
             <a:fld id="{2BE9C489-682D-41E7-B366-2A87A834792E}" type="slidenum">
               <a:rPr lang="en-US" smtClean="0"/>
-              <a:t>14</a:t>
+              <a:t>13</a:t>
             </a:fld>
             <a:endParaRPr lang="en-US"/>
           </a:p>
@@ -8577,7 +8473,7 @@
     </p:spTree>
     <p:extLst>
       <p:ext uri="{BB962C8B-B14F-4D97-AF65-F5344CB8AC3E}">
-        <p14:creationId xmlns:p14="http://schemas.microsoft.com/office/powerpoint/2010/main" val="3417140472"/>
+        <p14:creationId xmlns:p14="http://schemas.microsoft.com/office/powerpoint/2010/main" val="2820760816"/>
       </p:ext>
     </p:extLst>
   </p:cSld>
@@ -8633,11 +8529,34 @@
           <a:p>
             <a:r>
               <a:rPr lang="es-MX" dirty="0"/>
-              <a:t>A </a:t>
+              <a:t>Max </a:t>
             </a:r>
             <a:r>
               <a:rPr lang="es-MX" dirty="0" err="1"/>
-              <a:t>higher</a:t>
+              <a:t>avg</a:t>
+            </a:r>
+            <a:r>
+              <a:rPr lang="es-MX" dirty="0"/>
+              <a:t> mean </a:t>
+            </a:r>
+            <a:r>
+              <a:rPr lang="es-MX" dirty="0" err="1"/>
+              <a:t>temp</a:t>
+            </a:r>
+            <a:endParaRPr lang="es-MX" dirty="0"/>
+          </a:p>
+          <a:p>
+            <a:r>
+              <a:rPr lang="es-MX" dirty="0" err="1"/>
+              <a:t>Reaches</a:t>
+            </a:r>
+            <a:r>
+              <a:rPr lang="es-MX" dirty="0"/>
+              <a:t> 29° </a:t>
+            </a:r>
+            <a:r>
+              <a:rPr lang="es-MX" dirty="0" err="1"/>
+              <a:t>Threshold</a:t>
             </a:r>
             <a:r>
               <a:rPr lang="es-MX" dirty="0"/>
@@ -8645,7 +8564,46 @@
             </a:r>
             <a:r>
               <a:rPr lang="es-MX" dirty="0" err="1"/>
-              <a:t>max</a:t>
+              <a:t>roughly</a:t>
+            </a:r>
+            <a:r>
+              <a:rPr lang="es-MX" dirty="0"/>
+              <a:t> 6 </a:t>
+            </a:r>
+            <a:r>
+              <a:rPr lang="es-MX" dirty="0" err="1"/>
+              <a:t>to</a:t>
+            </a:r>
+            <a:r>
+              <a:rPr lang="es-MX" dirty="0"/>
+              <a:t> 10 </a:t>
+            </a:r>
+            <a:r>
+              <a:rPr lang="es-MX" dirty="0" err="1"/>
+              <a:t>years</a:t>
+            </a:r>
+            <a:endParaRPr lang="es-MX" dirty="0"/>
+          </a:p>
+          <a:p>
+            <a:r>
+              <a:rPr lang="es-MX" dirty="0" err="1"/>
+              <a:t>That’s</a:t>
+            </a:r>
+            <a:r>
+              <a:rPr lang="es-MX" dirty="0"/>
+              <a:t> up </a:t>
+            </a:r>
+            <a:r>
+              <a:rPr lang="es-MX" dirty="0" err="1"/>
+              <a:t>to</a:t>
+            </a:r>
+            <a:r>
+              <a:rPr lang="es-MX" dirty="0"/>
+              <a:t> 2010 </a:t>
+            </a:r>
+            <a:r>
+              <a:rPr lang="es-MX" dirty="0" err="1"/>
+              <a:t>when</a:t>
             </a:r>
             <a:r>
               <a:rPr lang="es-MX" dirty="0"/>
@@ -8653,7 +8611,7 @@
             </a:r>
             <a:r>
               <a:rPr lang="es-MX" dirty="0" err="1"/>
-              <a:t>average</a:t>
+              <a:t>not</a:t>
             </a:r>
             <a:r>
               <a:rPr lang="es-MX" dirty="0"/>
@@ -8661,7 +8619,7 @@
             </a:r>
             <a:r>
               <a:rPr lang="es-MX" dirty="0" err="1"/>
-              <a:t>temperature</a:t>
+              <a:t>only</a:t>
             </a:r>
             <a:r>
               <a:rPr lang="es-MX" dirty="0"/>
@@ -8669,7 +8627,15 @@
             </a:r>
             <a:r>
               <a:rPr lang="es-MX" dirty="0" err="1"/>
-              <a:t>means</a:t>
+              <a:t>the</a:t>
+            </a:r>
+            <a:r>
+              <a:rPr lang="es-MX" dirty="0"/>
+              <a:t> Interval </a:t>
+            </a:r>
+            <a:r>
+              <a:rPr lang="es-MX" dirty="0" err="1"/>
+              <a:t>is</a:t>
             </a:r>
             <a:r>
               <a:rPr lang="es-MX" dirty="0"/>
@@ -8677,7 +8643,7 @@
             </a:r>
             <a:r>
               <a:rPr lang="es-MX" dirty="0" err="1"/>
-              <a:t>that</a:t>
+              <a:t>shorter</a:t>
             </a:r>
             <a:r>
               <a:rPr lang="es-MX" dirty="0"/>
@@ -8685,23 +8651,7 @@
             </a:r>
             <a:r>
               <a:rPr lang="es-MX" dirty="0" err="1"/>
-              <a:t>you</a:t>
-            </a:r>
-            <a:r>
-              <a:rPr lang="es-MX" dirty="0"/>
-              <a:t> are </a:t>
-            </a:r>
-            <a:r>
-              <a:rPr lang="es-MX" dirty="0" err="1"/>
-              <a:t>experiencing</a:t>
-            </a:r>
-            <a:r>
-              <a:rPr lang="es-MX" dirty="0"/>
-              <a:t> more </a:t>
-            </a:r>
-            <a:r>
-              <a:rPr lang="es-MX" dirty="0" err="1"/>
-              <a:t>hot</a:t>
+              <a:t>but</a:t>
             </a:r>
             <a:r>
               <a:rPr lang="es-MX" dirty="0"/>
@@ -8709,7 +8659,7 @@
             </a:r>
             <a:r>
               <a:rPr lang="es-MX" dirty="0" err="1"/>
-              <a:t>days</a:t>
+              <a:t>temp</a:t>
             </a:r>
             <a:r>
               <a:rPr lang="es-MX" dirty="0"/>
@@ -8717,7 +8667,7 @@
             </a:r>
             <a:r>
               <a:rPr lang="es-MX" dirty="0" err="1"/>
-              <a:t>during</a:t>
+              <a:t>stays</a:t>
             </a:r>
             <a:r>
               <a:rPr lang="es-MX" dirty="0"/>
@@ -8725,7 +8675,15 @@
             </a:r>
             <a:r>
               <a:rPr lang="es-MX" dirty="0" err="1"/>
-              <a:t>the</a:t>
+              <a:t>above</a:t>
+            </a:r>
+            <a:r>
+              <a:rPr lang="es-MX" dirty="0"/>
+              <a:t> 29 </a:t>
+            </a:r>
+            <a:r>
+              <a:rPr lang="es-MX" dirty="0" err="1"/>
+              <a:t>for</a:t>
             </a:r>
             <a:r>
               <a:rPr lang="es-MX" dirty="0"/>
@@ -8733,7 +8691,23 @@
             </a:r>
             <a:r>
               <a:rPr lang="es-MX" dirty="0" err="1"/>
-              <a:t>year</a:t>
+              <a:t>the</a:t>
+            </a:r>
+            <a:r>
+              <a:rPr lang="es-MX" dirty="0"/>
+              <a:t> </a:t>
+            </a:r>
+            <a:r>
+              <a:rPr lang="es-MX" dirty="0" err="1"/>
+              <a:t>next</a:t>
+            </a:r>
+            <a:r>
+              <a:rPr lang="es-MX" dirty="0"/>
+              <a:t> 3 </a:t>
+            </a:r>
+            <a:r>
+              <a:rPr lang="es-MX" dirty="0" err="1"/>
+              <a:t>years</a:t>
             </a:r>
             <a:r>
               <a:rPr lang="es-MX" dirty="0"/>
@@ -8741,9 +8715,12 @@
             </a:r>
           </a:p>
           <a:p>
+            <a:endParaRPr lang="es-MX" dirty="0"/>
+          </a:p>
+          <a:p>
             <a:r>
               <a:rPr lang="es-MX" dirty="0" err="1"/>
-              <a:t>But</a:t>
+              <a:t>Recap</a:t>
             </a:r>
             <a:r>
               <a:rPr lang="es-MX" dirty="0"/>
@@ -8751,7 +8728,7 @@
             </a:r>
             <a:r>
               <a:rPr lang="es-MX" dirty="0" err="1"/>
-              <a:t>we</a:t>
+              <a:t>what</a:t>
             </a:r>
             <a:r>
               <a:rPr lang="es-MX" dirty="0"/>
@@ -8759,7 +8736,7 @@
             </a:r>
             <a:r>
               <a:rPr lang="es-MX" dirty="0" err="1"/>
-              <a:t>already</a:t>
+              <a:t>we</a:t>
             </a:r>
             <a:r>
               <a:rPr lang="es-MX" dirty="0"/>
@@ -8767,124 +8744,17 @@
             </a:r>
             <a:r>
               <a:rPr lang="es-MX" dirty="0" err="1"/>
-              <a:t>stablished</a:t>
+              <a:t>know</a:t>
             </a:r>
             <a:r>
               <a:rPr lang="es-MX" dirty="0"/>
-              <a:t> </a:t>
-            </a:r>
-            <a:r>
-              <a:rPr lang="es-MX" dirty="0" err="1"/>
-              <a:t>that</a:t>
-            </a:r>
-            <a:r>
-              <a:rPr lang="es-MX" dirty="0"/>
-              <a:t> </a:t>
-            </a:r>
-            <a:r>
-              <a:rPr lang="es-MX" dirty="0" err="1"/>
-              <a:t>is</a:t>
-            </a:r>
-            <a:r>
-              <a:rPr lang="es-MX" dirty="0"/>
-              <a:t> </a:t>
-            </a:r>
-            <a:r>
-              <a:rPr lang="es-MX" dirty="0" err="1"/>
-              <a:t>correlated</a:t>
-            </a:r>
-            <a:r>
-              <a:rPr lang="es-MX" dirty="0"/>
-              <a:t> </a:t>
-            </a:r>
-            <a:r>
-              <a:rPr lang="es-MX" dirty="0" err="1"/>
-              <a:t>to</a:t>
-            </a:r>
-            <a:r>
-              <a:rPr lang="es-MX" dirty="0"/>
-              <a:t> a </a:t>
-            </a:r>
-            <a:r>
-              <a:rPr lang="es-MX" dirty="0" err="1"/>
-              <a:t>higher</a:t>
-            </a:r>
-            <a:r>
-              <a:rPr lang="es-MX" dirty="0"/>
-              <a:t> </a:t>
-            </a:r>
-            <a:r>
-              <a:rPr lang="es-MX" dirty="0" err="1"/>
-              <a:t>frequency</a:t>
-            </a:r>
-            <a:r>
-              <a:rPr lang="es-MX" dirty="0"/>
-              <a:t> </a:t>
-            </a:r>
-            <a:r>
-              <a:rPr lang="es-MX" dirty="0" err="1"/>
-              <a:t>of</a:t>
-            </a:r>
-            <a:r>
-              <a:rPr lang="es-MX" dirty="0"/>
-              <a:t> </a:t>
-            </a:r>
-            <a:r>
-              <a:rPr lang="es-MX" dirty="0" err="1"/>
-              <a:t>the</a:t>
-            </a:r>
-            <a:r>
-              <a:rPr lang="es-MX" dirty="0"/>
-              <a:t> </a:t>
-            </a:r>
-            <a:r>
-              <a:rPr lang="es-MX" dirty="0" err="1"/>
-              <a:t>kind</a:t>
-            </a:r>
-            <a:r>
-              <a:rPr lang="es-MX" dirty="0"/>
-              <a:t> </a:t>
-            </a:r>
-            <a:r>
-              <a:rPr lang="es-MX" dirty="0" err="1"/>
-              <a:t>of</a:t>
-            </a:r>
-            <a:r>
-              <a:rPr lang="es-MX" dirty="0"/>
-              <a:t> </a:t>
-            </a:r>
-            <a:r>
-              <a:rPr lang="es-MX" dirty="0" err="1"/>
-              <a:t>events</a:t>
-            </a:r>
-            <a:r>
-              <a:rPr lang="es-MX" dirty="0"/>
-              <a:t> responsable </a:t>
-            </a:r>
-            <a:r>
-              <a:rPr lang="es-MX" dirty="0" err="1"/>
-              <a:t>for</a:t>
-            </a:r>
-            <a:r>
-              <a:rPr lang="es-MX" dirty="0"/>
-              <a:t> 88% </a:t>
-            </a:r>
-            <a:r>
-              <a:rPr lang="es-MX" dirty="0" err="1"/>
-              <a:t>of</a:t>
-            </a:r>
-            <a:r>
-              <a:rPr lang="es-MX" dirty="0"/>
-              <a:t> </a:t>
-            </a:r>
-            <a:r>
-              <a:rPr lang="es-MX" dirty="0" err="1"/>
-              <a:t>disasters</a:t>
-            </a:r>
-            <a:r>
-              <a:rPr lang="es-MX" dirty="0"/>
-              <a:t> in Colombia.</a:t>
-            </a:r>
+              <a:t>:</a:t>
+            </a:r>
+          </a:p>
+          <a:p>
+            <a:endParaRPr lang="es-MX" dirty="0"/>
+          </a:p>
+          <a:p>
             <a:endParaRPr lang="en-US" dirty="0"/>
           </a:p>
         </p:txBody>
@@ -8906,7 +8776,7 @@
           <a:p>
             <a:fld id="{2BE9C489-682D-41E7-B366-2A87A834792E}" type="slidenum">
               <a:rPr lang="en-US" smtClean="0"/>
-              <a:t>15</a:t>
+              <a:t>14</a:t>
             </a:fld>
             <a:endParaRPr lang="en-US"/>
           </a:p>
@@ -8915,7 +8785,7 @@
     </p:spTree>
     <p:extLst>
       <p:ext uri="{BB962C8B-B14F-4D97-AF65-F5344CB8AC3E}">
-        <p14:creationId xmlns:p14="http://schemas.microsoft.com/office/powerpoint/2010/main" val="3206601016"/>
+        <p14:creationId xmlns:p14="http://schemas.microsoft.com/office/powerpoint/2010/main" val="3417140472"/>
       </p:ext>
     </p:extLst>
   </p:cSld>
@@ -8970,8 +8840,12 @@
           <a:lstStyle/>
           <a:p>
             <a:r>
+              <a:rPr lang="es-MX" dirty="0"/>
+              <a:t>A </a:t>
+            </a:r>
+            <a:r>
               <a:rPr lang="es-MX" dirty="0" err="1"/>
-              <a:t>When</a:t>
+              <a:t>higher</a:t>
             </a:r>
             <a:r>
               <a:rPr lang="es-MX" dirty="0"/>
@@ -8979,7 +8853,7 @@
             </a:r>
             <a:r>
               <a:rPr lang="es-MX" dirty="0" err="1"/>
-              <a:t>talking</a:t>
+              <a:t>max</a:t>
             </a:r>
             <a:r>
               <a:rPr lang="es-MX" dirty="0"/>
@@ -8987,7 +8861,7 @@
             </a:r>
             <a:r>
               <a:rPr lang="es-MX" dirty="0" err="1"/>
-              <a:t>about</a:t>
+              <a:t>average</a:t>
             </a:r>
             <a:r>
               <a:rPr lang="es-MX" dirty="0"/>
@@ -8995,15 +8869,7 @@
             </a:r>
             <a:r>
               <a:rPr lang="es-MX" dirty="0" err="1"/>
-              <a:t>climate</a:t>
-            </a:r>
-            <a:r>
-              <a:rPr lang="es-MX" dirty="0"/>
-              <a:t> data, </a:t>
-            </a:r>
-            <a:r>
-              <a:rPr lang="es-MX" dirty="0" err="1"/>
-              <a:t>tiping</a:t>
+              <a:t>temperature</a:t>
             </a:r>
             <a:r>
               <a:rPr lang="es-MX" dirty="0"/>
@@ -9011,11 +8877,221 @@
             </a:r>
             <a:r>
               <a:rPr lang="es-MX" dirty="0" err="1"/>
-              <a:t>points</a:t>
+              <a:t>means</a:t>
             </a:r>
             <a:r>
               <a:rPr lang="es-MX" dirty="0"/>
-              <a:t> are crucial.</a:t>
+              <a:t> </a:t>
+            </a:r>
+            <a:r>
+              <a:rPr lang="es-MX" dirty="0" err="1"/>
+              <a:t>that</a:t>
+            </a:r>
+            <a:r>
+              <a:rPr lang="es-MX" dirty="0"/>
+              <a:t> </a:t>
+            </a:r>
+            <a:r>
+              <a:rPr lang="es-MX" dirty="0" err="1"/>
+              <a:t>you</a:t>
+            </a:r>
+            <a:r>
+              <a:rPr lang="es-MX" dirty="0"/>
+              <a:t> are </a:t>
+            </a:r>
+            <a:r>
+              <a:rPr lang="es-MX" dirty="0" err="1"/>
+              <a:t>experiencing</a:t>
+            </a:r>
+            <a:r>
+              <a:rPr lang="es-MX" dirty="0"/>
+              <a:t> more </a:t>
+            </a:r>
+            <a:r>
+              <a:rPr lang="es-MX" dirty="0" err="1"/>
+              <a:t>hot</a:t>
+            </a:r>
+            <a:r>
+              <a:rPr lang="es-MX" dirty="0"/>
+              <a:t> </a:t>
+            </a:r>
+            <a:r>
+              <a:rPr lang="es-MX" dirty="0" err="1"/>
+              <a:t>days</a:t>
+            </a:r>
+            <a:r>
+              <a:rPr lang="es-MX" dirty="0"/>
+              <a:t> </a:t>
+            </a:r>
+            <a:r>
+              <a:rPr lang="es-MX" dirty="0" err="1"/>
+              <a:t>during</a:t>
+            </a:r>
+            <a:r>
+              <a:rPr lang="es-MX" dirty="0"/>
+              <a:t> </a:t>
+            </a:r>
+            <a:r>
+              <a:rPr lang="es-MX" dirty="0" err="1"/>
+              <a:t>the</a:t>
+            </a:r>
+            <a:r>
+              <a:rPr lang="es-MX" dirty="0"/>
+              <a:t> </a:t>
+            </a:r>
+            <a:r>
+              <a:rPr lang="es-MX" dirty="0" err="1"/>
+              <a:t>year</a:t>
+            </a:r>
+            <a:r>
+              <a:rPr lang="es-MX" dirty="0"/>
+              <a:t>.</a:t>
+            </a:r>
+          </a:p>
+          <a:p>
+            <a:r>
+              <a:rPr lang="es-MX" dirty="0" err="1"/>
+              <a:t>But</a:t>
+            </a:r>
+            <a:r>
+              <a:rPr lang="es-MX" dirty="0"/>
+              <a:t> </a:t>
+            </a:r>
+            <a:r>
+              <a:rPr lang="es-MX" dirty="0" err="1"/>
+              <a:t>we</a:t>
+            </a:r>
+            <a:r>
+              <a:rPr lang="es-MX" dirty="0"/>
+              <a:t> </a:t>
+            </a:r>
+            <a:r>
+              <a:rPr lang="es-MX" dirty="0" err="1"/>
+              <a:t>already</a:t>
+            </a:r>
+            <a:r>
+              <a:rPr lang="es-MX" dirty="0"/>
+              <a:t> </a:t>
+            </a:r>
+            <a:r>
+              <a:rPr lang="es-MX" dirty="0" err="1"/>
+              <a:t>stablished</a:t>
+            </a:r>
+            <a:r>
+              <a:rPr lang="es-MX" dirty="0"/>
+              <a:t> </a:t>
+            </a:r>
+            <a:r>
+              <a:rPr lang="es-MX" dirty="0" err="1"/>
+              <a:t>that</a:t>
+            </a:r>
+            <a:r>
+              <a:rPr lang="es-MX" dirty="0"/>
+              <a:t> </a:t>
+            </a:r>
+            <a:r>
+              <a:rPr lang="es-MX" dirty="0" err="1"/>
+              <a:t>is</a:t>
+            </a:r>
+            <a:r>
+              <a:rPr lang="es-MX" dirty="0"/>
+              <a:t> </a:t>
+            </a:r>
+            <a:r>
+              <a:rPr lang="es-MX" dirty="0" err="1"/>
+              <a:t>correlated</a:t>
+            </a:r>
+            <a:r>
+              <a:rPr lang="es-MX" dirty="0"/>
+              <a:t> </a:t>
+            </a:r>
+            <a:r>
+              <a:rPr lang="es-MX" dirty="0" err="1"/>
+              <a:t>to</a:t>
+            </a:r>
+            <a:r>
+              <a:rPr lang="es-MX" dirty="0"/>
+              <a:t> a </a:t>
+            </a:r>
+            <a:r>
+              <a:rPr lang="es-MX" dirty="0" err="1"/>
+              <a:t>higher</a:t>
+            </a:r>
+            <a:r>
+              <a:rPr lang="es-MX" dirty="0"/>
+              <a:t> </a:t>
+            </a:r>
+            <a:r>
+              <a:rPr lang="es-MX" dirty="0" err="1"/>
+              <a:t>frequency</a:t>
+            </a:r>
+            <a:r>
+              <a:rPr lang="es-MX" dirty="0"/>
+              <a:t> </a:t>
+            </a:r>
+            <a:r>
+              <a:rPr lang="es-MX" dirty="0" err="1"/>
+              <a:t>of</a:t>
+            </a:r>
+            <a:r>
+              <a:rPr lang="es-MX" dirty="0"/>
+              <a:t> </a:t>
+            </a:r>
+            <a:r>
+              <a:rPr lang="es-MX" dirty="0" err="1"/>
+              <a:t>the</a:t>
+            </a:r>
+            <a:r>
+              <a:rPr lang="es-MX" dirty="0"/>
+              <a:t> </a:t>
+            </a:r>
+            <a:r>
+              <a:rPr lang="es-MX" dirty="0" err="1"/>
+              <a:t>kind</a:t>
+            </a:r>
+            <a:r>
+              <a:rPr lang="es-MX" dirty="0"/>
+              <a:t> </a:t>
+            </a:r>
+            <a:r>
+              <a:rPr lang="es-MX" dirty="0" err="1"/>
+              <a:t>of</a:t>
+            </a:r>
+            <a:r>
+              <a:rPr lang="es-MX" dirty="0"/>
+              <a:t> </a:t>
+            </a:r>
+            <a:r>
+              <a:rPr lang="es-MX" dirty="0" err="1"/>
+              <a:t>events</a:t>
+            </a:r>
+            <a:r>
+              <a:rPr lang="es-MX" dirty="0"/>
+              <a:t> responsable </a:t>
+            </a:r>
+            <a:r>
+              <a:rPr lang="es-MX" dirty="0" err="1"/>
+              <a:t>for</a:t>
+            </a:r>
+            <a:r>
+              <a:rPr lang="es-MX" dirty="0"/>
+              <a:t> 88% </a:t>
+            </a:r>
+            <a:r>
+              <a:rPr lang="es-MX" dirty="0" err="1"/>
+              <a:t>of</a:t>
+            </a:r>
+            <a:r>
+              <a:rPr lang="es-MX" dirty="0"/>
+              <a:t> </a:t>
+            </a:r>
+            <a:r>
+              <a:rPr lang="es-MX" dirty="0" err="1"/>
+              <a:t>disasters</a:t>
+            </a:r>
+            <a:r>
+              <a:rPr lang="es-MX" dirty="0"/>
+              <a:t> in Colombia.</a:t>
             </a:r>
             <a:endParaRPr lang="en-US" dirty="0"/>
           </a:p>
@@ -9038,7 +9114,7 @@
           <a:p>
             <a:fld id="{2BE9C489-682D-41E7-B366-2A87A834792E}" type="slidenum">
               <a:rPr lang="en-US" smtClean="0"/>
-              <a:t>16</a:t>
+              <a:t>15</a:t>
             </a:fld>
             <a:endParaRPr lang="en-US"/>
           </a:p>
@@ -9047,7 +9123,7 @@
     </p:spTree>
     <p:extLst>
       <p:ext uri="{BB962C8B-B14F-4D97-AF65-F5344CB8AC3E}">
-        <p14:creationId xmlns:p14="http://schemas.microsoft.com/office/powerpoint/2010/main" val="1907882228"/>
+        <p14:creationId xmlns:p14="http://schemas.microsoft.com/office/powerpoint/2010/main" val="3206601016"/>
       </p:ext>
     </p:extLst>
   </p:cSld>
@@ -9204,7 +9280,7 @@
           <a:p>
             <a:fld id="{FC39DB87-9C48-41BF-B8DE-269DB1E48467}" type="datetimeFigureOut">
               <a:rPr lang="en-US" smtClean="0"/>
-              <a:t>12/10/2019</a:t>
+              <a:t>12/11/19</a:t>
             </a:fld>
             <a:endParaRPr lang="en-US"/>
           </a:p>
@@ -9270,7 +9346,7 @@
           <a:p>
             <a:fld id="{6A228FDC-F882-489B-8CFA-220F618AE635}" type="slidenum">
               <a:rPr lang="en-US" smtClean="0"/>
-              <a:t>‹#›</a:t>
+              <a:t>‹Nº›</a:t>
             </a:fld>
             <a:endParaRPr lang="en-US"/>
           </a:p>
@@ -9414,7 +9490,7 @@
           <a:p>
             <a:fld id="{FC39DB87-9C48-41BF-B8DE-269DB1E48467}" type="datetimeFigureOut">
               <a:rPr lang="en-US" smtClean="0"/>
-              <a:t>12/10/2019</a:t>
+              <a:t>12/11/19</a:t>
             </a:fld>
             <a:endParaRPr lang="en-US"/>
           </a:p>
@@ -9468,7 +9544,7 @@
           <a:p>
             <a:fld id="{6A228FDC-F882-489B-8CFA-220F618AE635}" type="slidenum">
               <a:rPr lang="en-US" smtClean="0"/>
-              <a:t>‹#›</a:t>
+              <a:t>‹Nº›</a:t>
             </a:fld>
             <a:endParaRPr lang="en-US"/>
           </a:p>
@@ -9622,7 +9698,7 @@
           <a:p>
             <a:fld id="{FC39DB87-9C48-41BF-B8DE-269DB1E48467}" type="datetimeFigureOut">
               <a:rPr lang="en-US" smtClean="0"/>
-              <a:t>12/10/2019</a:t>
+              <a:t>12/11/19</a:t>
             </a:fld>
             <a:endParaRPr lang="en-US"/>
           </a:p>
@@ -9676,7 +9752,7 @@
           <a:p>
             <a:fld id="{6A228FDC-F882-489B-8CFA-220F618AE635}" type="slidenum">
               <a:rPr lang="en-US" smtClean="0"/>
-              <a:t>‹#›</a:t>
+              <a:t>‹Nº›</a:t>
             </a:fld>
             <a:endParaRPr lang="en-US"/>
           </a:p>
@@ -9855,7 +9931,7 @@
           <a:p>
             <a:fld id="{FC39DB87-9C48-41BF-B8DE-269DB1E48467}" type="datetimeFigureOut">
               <a:rPr lang="en-US" smtClean="0"/>
-              <a:t>12/10/2019</a:t>
+              <a:t>12/11/19</a:t>
             </a:fld>
             <a:endParaRPr lang="en-US" dirty="0"/>
           </a:p>
@@ -9931,7 +10007,7 @@
           <a:p>
             <a:fld id="{6A228FDC-F882-489B-8CFA-220F618AE635}" type="slidenum">
               <a:rPr lang="en-US" smtClean="0"/>
-              <a:t>‹#›</a:t>
+              <a:t>‹Nº›</a:t>
             </a:fld>
             <a:endParaRPr lang="en-US"/>
           </a:p>
@@ -10152,7 +10228,7 @@
           <a:p>
             <a:fld id="{FC39DB87-9C48-41BF-B8DE-269DB1E48467}" type="datetimeFigureOut">
               <a:rPr lang="en-US" smtClean="0"/>
-              <a:t>12/10/2019</a:t>
+              <a:t>12/11/19</a:t>
             </a:fld>
             <a:endParaRPr lang="en-US"/>
           </a:p>
@@ -10206,7 +10282,7 @@
           <a:p>
             <a:fld id="{6A228FDC-F882-489B-8CFA-220F618AE635}" type="slidenum">
               <a:rPr lang="en-US" smtClean="0"/>
-              <a:t>‹#›</a:t>
+              <a:t>‹Nº›</a:t>
             </a:fld>
             <a:endParaRPr lang="en-US"/>
           </a:p>
@@ -10417,7 +10493,7 @@
           <a:p>
             <a:fld id="{FC39DB87-9C48-41BF-B8DE-269DB1E48467}" type="datetimeFigureOut">
               <a:rPr lang="en-US" smtClean="0"/>
-              <a:t>12/10/2019</a:t>
+              <a:t>12/11/19</a:t>
             </a:fld>
             <a:endParaRPr lang="en-US"/>
           </a:p>
@@ -10471,7 +10547,7 @@
           <a:p>
             <a:fld id="{6A228FDC-F882-489B-8CFA-220F618AE635}" type="slidenum">
               <a:rPr lang="en-US" smtClean="0"/>
-              <a:t>‹#›</a:t>
+              <a:t>‹Nº›</a:t>
             </a:fld>
             <a:endParaRPr lang="en-US"/>
           </a:p>
@@ -10829,7 +10905,7 @@
           <a:p>
             <a:fld id="{FC39DB87-9C48-41BF-B8DE-269DB1E48467}" type="datetimeFigureOut">
               <a:rPr lang="en-US" smtClean="0"/>
-              <a:t>12/10/2019</a:t>
+              <a:t>12/11/19</a:t>
             </a:fld>
             <a:endParaRPr lang="en-US"/>
           </a:p>
@@ -10883,7 +10959,7 @@
           <a:p>
             <a:fld id="{6A228FDC-F882-489B-8CFA-220F618AE635}" type="slidenum">
               <a:rPr lang="en-US" smtClean="0"/>
-              <a:t>‹#›</a:t>
+              <a:t>‹Nº›</a:t>
             </a:fld>
             <a:endParaRPr lang="en-US"/>
           </a:p>
@@ -10970,7 +11046,7 @@
           <a:p>
             <a:fld id="{FC39DB87-9C48-41BF-B8DE-269DB1E48467}" type="datetimeFigureOut">
               <a:rPr lang="en-US" smtClean="0"/>
-              <a:t>12/10/2019</a:t>
+              <a:t>12/11/19</a:t>
             </a:fld>
             <a:endParaRPr lang="en-US"/>
           </a:p>
@@ -11024,7 +11100,7 @@
           <a:p>
             <a:fld id="{6A228FDC-F882-489B-8CFA-220F618AE635}" type="slidenum">
               <a:rPr lang="en-US" smtClean="0"/>
-              <a:t>‹#›</a:t>
+              <a:t>‹Nº›</a:t>
             </a:fld>
             <a:endParaRPr lang="en-US"/>
           </a:p>
@@ -11083,7 +11159,7 @@
           <a:p>
             <a:fld id="{FC39DB87-9C48-41BF-B8DE-269DB1E48467}" type="datetimeFigureOut">
               <a:rPr lang="en-US" smtClean="0"/>
-              <a:t>12/10/2019</a:t>
+              <a:t>12/11/19</a:t>
             </a:fld>
             <a:endParaRPr lang="en-US"/>
           </a:p>
@@ -11137,7 +11213,7 @@
           <a:p>
             <a:fld id="{6A228FDC-F882-489B-8CFA-220F618AE635}" type="slidenum">
               <a:rPr lang="en-US" smtClean="0"/>
-              <a:t>‹#›</a:t>
+              <a:t>‹Nº›</a:t>
             </a:fld>
             <a:endParaRPr lang="en-US"/>
           </a:p>
@@ -11394,7 +11470,7 @@
           <a:p>
             <a:fld id="{FC39DB87-9C48-41BF-B8DE-269DB1E48467}" type="datetimeFigureOut">
               <a:rPr lang="en-US" smtClean="0"/>
-              <a:t>12/10/2019</a:t>
+              <a:t>12/11/19</a:t>
             </a:fld>
             <a:endParaRPr lang="en-US"/>
           </a:p>
@@ -11448,7 +11524,7 @@
           <a:p>
             <a:fld id="{6A228FDC-F882-489B-8CFA-220F618AE635}" type="slidenum">
               <a:rPr lang="en-US" smtClean="0"/>
-              <a:t>‹#›</a:t>
+              <a:t>‹Nº›</a:t>
             </a:fld>
             <a:endParaRPr lang="en-US"/>
           </a:p>
@@ -11682,7 +11758,7 @@
           <a:p>
             <a:fld id="{FC39DB87-9C48-41BF-B8DE-269DB1E48467}" type="datetimeFigureOut">
               <a:rPr lang="en-US" smtClean="0"/>
-              <a:t>12/10/2019</a:t>
+              <a:t>12/11/19</a:t>
             </a:fld>
             <a:endParaRPr lang="en-US"/>
           </a:p>
@@ -11736,7 +11812,7 @@
           <a:p>
             <a:fld id="{6A228FDC-F882-489B-8CFA-220F618AE635}" type="slidenum">
               <a:rPr lang="en-US" smtClean="0"/>
-              <a:t>‹#›</a:t>
+              <a:t>‹Nº›</a:t>
             </a:fld>
             <a:endParaRPr lang="en-US"/>
           </a:p>
@@ -11923,7 +11999,7 @@
           <a:p>
             <a:fld id="{FC39DB87-9C48-41BF-B8DE-269DB1E48467}" type="datetimeFigureOut">
               <a:rPr lang="en-US" smtClean="0"/>
-              <a:t>12/10/2019</a:t>
+              <a:t>12/11/19</a:t>
             </a:fld>
             <a:endParaRPr lang="en-US"/>
           </a:p>
@@ -12013,7 +12089,7 @@
           <a:p>
             <a:fld id="{6A228FDC-F882-489B-8CFA-220F618AE635}" type="slidenum">
               <a:rPr lang="en-US" smtClean="0"/>
-              <a:t>‹#›</a:t>
+              <a:t>‹Nº›</a:t>
             </a:fld>
             <a:endParaRPr lang="en-US"/>
           </a:p>
@@ -12502,7 +12578,7 @@
           <p:nvPr/>
         </p:nvPicPr>
         <p:blipFill rotWithShape="1">
-          <a:blip r:embed="rId2"/>
+          <a:blip r:embed="rId3"/>
           <a:srcRect l="703" t="1017" r="499"/>
           <a:stretch/>
         </p:blipFill>
@@ -15768,12 +15844,48 @@
           </a:p>
         </p:txBody>
       </p:sp>
+      <p:sp>
+        <p:nvSpPr>
+          <p:cNvPr id="13" name="TextBox 12">
+            <a:extLst>
+              <a:ext uri="{FF2B5EF4-FFF2-40B4-BE49-F238E27FC236}">
+                <a16:creationId xmlns:a16="http://schemas.microsoft.com/office/drawing/2014/main" id="{8D7DA7A1-ECD4-4F71-BFCF-39ED722CA370}"/>
+              </a:ext>
+            </a:extLst>
+          </p:cNvPr>
+          <p:cNvSpPr txBox="1"/>
+          <p:nvPr/>
+        </p:nvSpPr>
+        <p:spPr>
+          <a:xfrm flipH="1">
+            <a:off x="3174889" y="168394"/>
+            <a:ext cx="1305671" cy="369332"/>
+          </a:xfrm>
+          <a:prstGeom prst="rect">
+            <a:avLst/>
+          </a:prstGeom>
+          <a:noFill/>
+        </p:spPr>
+        <p:txBody>
+          <a:bodyPr wrap="square" rtlCol="0">
+            <a:spAutoFit/>
+          </a:bodyPr>
+          <a:lstStyle/>
+          <a:p>
+            <a:r>
+              <a:rPr lang="es-MX" dirty="0"/>
+              <a:t>/Consultar</a:t>
+            </a:r>
+            <a:endParaRPr lang="en-US" dirty="0"/>
+          </a:p>
+        </p:txBody>
+      </p:sp>
       <p:pic>
         <p:nvPicPr>
-          <p:cNvPr id="10" name="Picture 9">
-            <a:extLst>
-              <a:ext uri="{FF2B5EF4-FFF2-40B4-BE49-F238E27FC236}">
-                <a16:creationId xmlns:a16="http://schemas.microsoft.com/office/drawing/2014/main" id="{35FC6027-CE8E-4E00-A314-03AA131F0A5E}"/>
+          <p:cNvPr id="4" name="Imagen 3" descr="Una captura de pantalla de una red social&#10;&#10;Descripción generada automáticamente">
+            <a:extLst>
+              <a:ext uri="{FF2B5EF4-FFF2-40B4-BE49-F238E27FC236}">
+                <a16:creationId xmlns:a16="http://schemas.microsoft.com/office/drawing/2014/main" id="{319EA0FD-FE60-8E48-9CF2-F6326F25603B}"/>
               </a:ext>
             </a:extLst>
           </p:cNvPr>
@@ -15796,86 +15908,14 @@
         </p:blipFill>
         <p:spPr>
           <a:xfrm>
-            <a:off x="998220" y="654162"/>
-            <a:ext cx="9591040" cy="5810767"/>
+            <a:off x="0" y="641252"/>
+            <a:ext cx="12192000" cy="5934075"/>
           </a:xfrm>
           <a:prstGeom prst="rect">
             <a:avLst/>
           </a:prstGeom>
         </p:spPr>
       </p:pic>
-      <p:pic>
-        <p:nvPicPr>
-          <p:cNvPr id="12" name="Picture 11">
-            <a:extLst>
-              <a:ext uri="{FF2B5EF4-FFF2-40B4-BE49-F238E27FC236}">
-                <a16:creationId xmlns:a16="http://schemas.microsoft.com/office/drawing/2014/main" id="{5C2FE3D9-F4C3-436C-A775-084DFFC2EFBA}"/>
-              </a:ext>
-            </a:extLst>
-          </p:cNvPr>
-          <p:cNvPicPr>
-            <a:picLocks noChangeAspect="1"/>
-          </p:cNvPicPr>
-          <p:nvPr/>
-        </p:nvPicPr>
-        <p:blipFill>
-          <a:blip r:embed="rId4">
-            <a:extLst>
-              <a:ext uri="{28A0092B-C50C-407E-A947-70E740481C1C}">
-                <a14:useLocalDpi xmlns:a14="http://schemas.microsoft.com/office/drawing/2010/main" val="0"/>
-              </a:ext>
-            </a:extLst>
-          </a:blip>
-          <a:stretch>
-            <a:fillRect/>
-          </a:stretch>
-        </p:blipFill>
-        <p:spPr>
-          <a:xfrm>
-            <a:off x="6802009" y="2255520"/>
-            <a:ext cx="3787251" cy="1308034"/>
-          </a:xfrm>
-          <a:prstGeom prst="rect">
-            <a:avLst/>
-          </a:prstGeom>
-        </p:spPr>
-      </p:pic>
-      <p:sp>
-        <p:nvSpPr>
-          <p:cNvPr id="13" name="TextBox 12">
-            <a:extLst>
-              <a:ext uri="{FF2B5EF4-FFF2-40B4-BE49-F238E27FC236}">
-                <a16:creationId xmlns:a16="http://schemas.microsoft.com/office/drawing/2014/main" id="{8D7DA7A1-ECD4-4F71-BFCF-39ED722CA370}"/>
-              </a:ext>
-            </a:extLst>
-          </p:cNvPr>
-          <p:cNvSpPr txBox="1"/>
-          <p:nvPr/>
-        </p:nvSpPr>
-        <p:spPr>
-          <a:xfrm flipH="1">
-            <a:off x="3174889" y="168394"/>
-            <a:ext cx="1305671" cy="369332"/>
-          </a:xfrm>
-          <a:prstGeom prst="rect">
-            <a:avLst/>
-          </a:prstGeom>
-          <a:noFill/>
-        </p:spPr>
-        <p:txBody>
-          <a:bodyPr wrap="square" rtlCol="0">
-            <a:spAutoFit/>
-          </a:bodyPr>
-          <a:lstStyle/>
-          <a:p>
-            <a:r>
-              <a:rPr lang="es-MX" dirty="0"/>
-              <a:t>/Consultar</a:t>
-            </a:r>
-            <a:endParaRPr lang="en-US" dirty="0"/>
-          </a:p>
-        </p:txBody>
-      </p:sp>
     </p:spTree>
     <p:extLst>
       <p:ext uri="{BB962C8B-B14F-4D97-AF65-F5344CB8AC3E}">
@@ -18896,9 +18936,7 @@
           <p:cNvGraphicFramePr>
             <a:graphicFrameLocks/>
           </p:cNvGraphicFramePr>
-          <p:nvPr>
-            <p:extLst/>
-          </p:nvPr>
+          <p:nvPr/>
         </p:nvGraphicFramePr>
         <p:xfrm>
           <a:off x="7909561" y="3429001"/>
@@ -19858,117 +19896,11 @@
   <p:clrMapOvr>
     <a:masterClrMapping/>
   </p:clrMapOvr>
-  <p:timing>
-    <p:tnLst>
-      <p:par>
-        <p:cTn id="1" dur="indefinite" restart="never" nodeType="tmRoot">
-          <p:childTnLst>
-            <p:seq concurrent="1" nextAc="seek">
-              <p:cTn id="2" dur="indefinite" nodeType="mainSeq">
-                <p:childTnLst>
-                  <p:par>
-                    <p:cTn id="3" fill="hold">
-                      <p:stCondLst>
-                        <p:cond delay="indefinite"/>
-                      </p:stCondLst>
-                      <p:childTnLst>
-                        <p:par>
-                          <p:cTn id="4" fill="hold">
-                            <p:stCondLst>
-                              <p:cond delay="0"/>
-                            </p:stCondLst>
-                            <p:childTnLst>
-                              <p:par>
-                                <p:cTn id="5" presetID="1" presetClass="entr" presetSubtype="0" fill="hold" grpId="0" nodeType="clickEffect">
-                                  <p:stCondLst>
-                                    <p:cond delay="0"/>
-                                  </p:stCondLst>
-                                  <p:childTnLst>
-                                    <p:set>
-                                      <p:cBhvr>
-                                        <p:cTn id="6" dur="1" fill="hold">
-                                          <p:stCondLst>
-                                            <p:cond delay="0"/>
-                                          </p:stCondLst>
-                                        </p:cTn>
-                                        <p:tgtEl>
-                                          <p:spTgt spid="4"/>
-                                        </p:tgtEl>
-                                        <p:attrNameLst>
-                                          <p:attrName>style.visibility</p:attrName>
-                                        </p:attrNameLst>
-                                      </p:cBhvr>
-                                      <p:to>
-                                        <p:strVal val="visible"/>
-                                      </p:to>
-                                    </p:set>
-                                  </p:childTnLst>
-                                </p:cTn>
-                              </p:par>
-                              <p:par>
-                                <p:cTn id="7" presetID="1" presetClass="entr" presetSubtype="0" fill="hold" grpId="0" nodeType="withEffect">
-                                  <p:stCondLst>
-                                    <p:cond delay="0"/>
-                                  </p:stCondLst>
-                                  <p:childTnLst>
-                                    <p:set>
-                                      <p:cBhvr>
-                                        <p:cTn id="8" dur="1" fill="hold">
-                                          <p:stCondLst>
-                                            <p:cond delay="0"/>
-                                          </p:stCondLst>
-                                        </p:cTn>
-                                        <p:tgtEl>
-                                          <p:spTgt spid="3"/>
-                                        </p:tgtEl>
-                                        <p:attrNameLst>
-                                          <p:attrName>style.visibility</p:attrName>
-                                        </p:attrNameLst>
-                                      </p:cBhvr>
-                                      <p:to>
-                                        <p:strVal val="visible"/>
-                                      </p:to>
-                                    </p:set>
-                                  </p:childTnLst>
-                                </p:cTn>
-                              </p:par>
-                            </p:childTnLst>
-                          </p:cTn>
-                        </p:par>
-                      </p:childTnLst>
-                    </p:cTn>
-                  </p:par>
-                </p:childTnLst>
-              </p:cTn>
-              <p:prevCondLst>
-                <p:cond evt="onPrev" delay="0">
-                  <p:tgtEl>
-                    <p:sldTgt/>
-                  </p:tgtEl>
-                </p:cond>
-              </p:prevCondLst>
-              <p:nextCondLst>
-                <p:cond evt="onNext" delay="0">
-                  <p:tgtEl>
-                    <p:sldTgt/>
-                  </p:tgtEl>
-                </p:cond>
-              </p:nextCondLst>
-            </p:seq>
-          </p:childTnLst>
-        </p:cTn>
-      </p:par>
-    </p:tnLst>
-    <p:bldLst>
-      <p:bldP spid="3" grpId="0" animBg="1"/>
-      <p:bldP spid="4" grpId="0"/>
-    </p:bldLst>
-  </p:timing>
 </p:sld>
 </file>
 
 <file path=ppt/slides/slide16.xml><?xml version="1.0" encoding="utf-8"?>
-<p:sld xmlns:a="http://schemas.openxmlformats.org/drawingml/2006/main" xmlns:r="http://schemas.openxmlformats.org/officeDocument/2006/relationships" xmlns:p="http://schemas.openxmlformats.org/presentationml/2006/main" show="0">
+<p:sld xmlns:a="http://schemas.openxmlformats.org/drawingml/2006/main" xmlns:r="http://schemas.openxmlformats.org/officeDocument/2006/relationships" xmlns:p="http://schemas.openxmlformats.org/presentationml/2006/main">
   <p:cSld>
     <p:spTree>
       <p:nvGrpSpPr>
